--- a/pitch.pptx
+++ b/pitch.pptx
@@ -4,15 +4,16 @@
   <p:sldMasterIdLst>
     <p:sldMasterId id="2147483660" r:id="rId1"/>
   </p:sldMasterIdLst>
+  <p:notesMasterIdLst>
+    <p:notesMasterId r:id="rId8"/>
+  </p:notesMasterIdLst>
   <p:sldIdLst>
     <p:sldId id="256" r:id="rId2"/>
-    <p:sldId id="258" r:id="rId3"/>
-    <p:sldId id="257" r:id="rId4"/>
+    <p:sldId id="264" r:id="rId3"/>
+    <p:sldId id="265" r:id="rId4"/>
     <p:sldId id="259" r:id="rId5"/>
-    <p:sldId id="260" r:id="rId6"/>
-    <p:sldId id="261" r:id="rId7"/>
-    <p:sldId id="262" r:id="rId8"/>
-    <p:sldId id="263" r:id="rId9"/>
+    <p:sldId id="263" r:id="rId6"/>
+    <p:sldId id="266" r:id="rId7"/>
   </p:sldIdLst>
   <p:sldSz cx="12192000" cy="6858000"/>
   <p:notesSz cx="6858000" cy="9144000"/>
@@ -111,7 +112,892 @@
       </a:defRPr>
     </a:lvl9pPr>
   </p:defaultTextStyle>
+  <p:extLst>
+    <p:ext uri="{EFAFB233-063F-42B5-8137-9DF3F51BA10A}">
+      <p15:sldGuideLst xmlns:p15="http://schemas.microsoft.com/office/powerpoint/2012/main"/>
+    </p:ext>
+  </p:extLst>
 </p:presentation>
+</file>
+
+<file path=ppt/notesMasters/notesMaster1.xml><?xml version="1.0" encoding="utf-8"?>
+<p:notesMaster xmlns:a="http://schemas.openxmlformats.org/drawingml/2006/main" xmlns:r="http://schemas.openxmlformats.org/officeDocument/2006/relationships" xmlns:p="http://schemas.openxmlformats.org/presentationml/2006/main">
+  <p:cSld>
+    <p:bg>
+      <p:bgRef idx="1001">
+        <a:schemeClr val="bg1"/>
+      </p:bgRef>
+    </p:bg>
+    <p:spTree>
+      <p:nvGrpSpPr>
+        <p:cNvPr id="1" name=""/>
+        <p:cNvGrpSpPr/>
+        <p:nvPr/>
+      </p:nvGrpSpPr>
+      <p:grpSpPr>
+        <a:xfrm>
+          <a:off x="0" y="0"/>
+          <a:ext cx="0" cy="0"/>
+          <a:chOff x="0" y="0"/>
+          <a:chExt cx="0" cy="0"/>
+        </a:xfrm>
+      </p:grpSpPr>
+      <p:sp>
+        <p:nvSpPr>
+          <p:cNvPr id="2" name="Header Placeholder 1"/>
+          <p:cNvSpPr>
+            <a:spLocks noGrp="1"/>
+          </p:cNvSpPr>
+          <p:nvPr>
+            <p:ph type="hdr" sz="quarter"/>
+          </p:nvPr>
+        </p:nvSpPr>
+        <p:spPr>
+          <a:xfrm>
+            <a:off x="0" y="0"/>
+            <a:ext cx="2971800" cy="458788"/>
+          </a:xfrm>
+          <a:prstGeom prst="rect">
+            <a:avLst/>
+          </a:prstGeom>
+        </p:spPr>
+        <p:txBody>
+          <a:bodyPr vert="horz" lIns="91440" tIns="45720" rIns="91440" bIns="45720" rtlCol="0"/>
+          <a:lstStyle>
+            <a:lvl1pPr algn="l">
+              <a:defRPr sz="1200"/>
+            </a:lvl1pPr>
+          </a:lstStyle>
+          <a:p>
+            <a:endParaRPr lang="en-US"/>
+          </a:p>
+        </p:txBody>
+      </p:sp>
+      <p:sp>
+        <p:nvSpPr>
+          <p:cNvPr id="3" name="Date Placeholder 2"/>
+          <p:cNvSpPr>
+            <a:spLocks noGrp="1"/>
+          </p:cNvSpPr>
+          <p:nvPr>
+            <p:ph type="dt" idx="1"/>
+          </p:nvPr>
+        </p:nvSpPr>
+        <p:spPr>
+          <a:xfrm>
+            <a:off x="3884613" y="0"/>
+            <a:ext cx="2971800" cy="458788"/>
+          </a:xfrm>
+          <a:prstGeom prst="rect">
+            <a:avLst/>
+          </a:prstGeom>
+        </p:spPr>
+        <p:txBody>
+          <a:bodyPr vert="horz" lIns="91440" tIns="45720" rIns="91440" bIns="45720" rtlCol="0"/>
+          <a:lstStyle>
+            <a:lvl1pPr algn="r">
+              <a:defRPr sz="1200"/>
+            </a:lvl1pPr>
+          </a:lstStyle>
+          <a:p>
+            <a:fld id="{A3B00E5F-12AC-41EC-9CA6-56A9F9561EFD}" type="datetimeFigureOut">
+              <a:rPr lang="en-US" smtClean="0"/>
+              <a:t>2/13/2023</a:t>
+            </a:fld>
+            <a:endParaRPr lang="en-US"/>
+          </a:p>
+        </p:txBody>
+      </p:sp>
+      <p:sp>
+        <p:nvSpPr>
+          <p:cNvPr id="4" name="Slide Image Placeholder 3"/>
+          <p:cNvSpPr>
+            <a:spLocks noGrp="1" noRot="1" noChangeAspect="1"/>
+          </p:cNvSpPr>
+          <p:nvPr>
+            <p:ph type="sldImg" idx="2"/>
+          </p:nvPr>
+        </p:nvSpPr>
+        <p:spPr>
+          <a:xfrm>
+            <a:off x="685800" y="1143000"/>
+            <a:ext cx="5486400" cy="3086100"/>
+          </a:xfrm>
+          <a:prstGeom prst="rect">
+            <a:avLst/>
+          </a:prstGeom>
+          <a:noFill/>
+          <a:ln w="12700">
+            <a:solidFill>
+              <a:prstClr val="black"/>
+            </a:solidFill>
+          </a:ln>
+        </p:spPr>
+        <p:txBody>
+          <a:bodyPr vert="horz" lIns="91440" tIns="45720" rIns="91440" bIns="45720" rtlCol="0" anchor="ctr"/>
+          <a:lstStyle/>
+          <a:p>
+            <a:endParaRPr lang="en-US"/>
+          </a:p>
+        </p:txBody>
+      </p:sp>
+      <p:sp>
+        <p:nvSpPr>
+          <p:cNvPr id="5" name="Notes Placeholder 4"/>
+          <p:cNvSpPr>
+            <a:spLocks noGrp="1"/>
+          </p:cNvSpPr>
+          <p:nvPr>
+            <p:ph type="body" sz="quarter" idx="3"/>
+          </p:nvPr>
+        </p:nvSpPr>
+        <p:spPr>
+          <a:xfrm>
+            <a:off x="685800" y="4400550"/>
+            <a:ext cx="5486400" cy="3600450"/>
+          </a:xfrm>
+          <a:prstGeom prst="rect">
+            <a:avLst/>
+          </a:prstGeom>
+        </p:spPr>
+        <p:txBody>
+          <a:bodyPr vert="horz" lIns="91440" tIns="45720" rIns="91440" bIns="45720" rtlCol="0"/>
+          <a:lstStyle/>
+          <a:p>
+            <a:pPr lvl="0"/>
+            <a:r>
+              <a:rPr lang="en-US"/>
+              <a:t>Click to edit Master text styles</a:t>
+            </a:r>
+          </a:p>
+          <a:p>
+            <a:pPr lvl="1"/>
+            <a:r>
+              <a:rPr lang="en-US"/>
+              <a:t>Second level</a:t>
+            </a:r>
+          </a:p>
+          <a:p>
+            <a:pPr lvl="2"/>
+            <a:r>
+              <a:rPr lang="en-US"/>
+              <a:t>Third level</a:t>
+            </a:r>
+          </a:p>
+          <a:p>
+            <a:pPr lvl="3"/>
+            <a:r>
+              <a:rPr lang="en-US"/>
+              <a:t>Fourth level</a:t>
+            </a:r>
+          </a:p>
+          <a:p>
+            <a:pPr lvl="4"/>
+            <a:r>
+              <a:rPr lang="en-US"/>
+              <a:t>Fifth level</a:t>
+            </a:r>
+          </a:p>
+        </p:txBody>
+      </p:sp>
+      <p:sp>
+        <p:nvSpPr>
+          <p:cNvPr id="6" name="Footer Placeholder 5"/>
+          <p:cNvSpPr>
+            <a:spLocks noGrp="1"/>
+          </p:cNvSpPr>
+          <p:nvPr>
+            <p:ph type="ftr" sz="quarter" idx="4"/>
+          </p:nvPr>
+        </p:nvSpPr>
+        <p:spPr>
+          <a:xfrm>
+            <a:off x="0" y="8685213"/>
+            <a:ext cx="2971800" cy="458787"/>
+          </a:xfrm>
+          <a:prstGeom prst="rect">
+            <a:avLst/>
+          </a:prstGeom>
+        </p:spPr>
+        <p:txBody>
+          <a:bodyPr vert="horz" lIns="91440" tIns="45720" rIns="91440" bIns="45720" rtlCol="0" anchor="b"/>
+          <a:lstStyle>
+            <a:lvl1pPr algn="l">
+              <a:defRPr sz="1200"/>
+            </a:lvl1pPr>
+          </a:lstStyle>
+          <a:p>
+            <a:endParaRPr lang="en-US"/>
+          </a:p>
+        </p:txBody>
+      </p:sp>
+      <p:sp>
+        <p:nvSpPr>
+          <p:cNvPr id="7" name="Slide Number Placeholder 6"/>
+          <p:cNvSpPr>
+            <a:spLocks noGrp="1"/>
+          </p:cNvSpPr>
+          <p:nvPr>
+            <p:ph type="sldNum" sz="quarter" idx="5"/>
+          </p:nvPr>
+        </p:nvSpPr>
+        <p:spPr>
+          <a:xfrm>
+            <a:off x="3884613" y="8685213"/>
+            <a:ext cx="2971800" cy="458787"/>
+          </a:xfrm>
+          <a:prstGeom prst="rect">
+            <a:avLst/>
+          </a:prstGeom>
+        </p:spPr>
+        <p:txBody>
+          <a:bodyPr vert="horz" lIns="91440" tIns="45720" rIns="91440" bIns="45720" rtlCol="0" anchor="b"/>
+          <a:lstStyle>
+            <a:lvl1pPr algn="r">
+              <a:defRPr sz="1200"/>
+            </a:lvl1pPr>
+          </a:lstStyle>
+          <a:p>
+            <a:fld id="{51332DEE-88BD-4AB3-9189-9926C6A8F862}" type="slidenum">
+              <a:rPr lang="en-US" smtClean="0"/>
+              <a:t>‹#›</a:t>
+            </a:fld>
+            <a:endParaRPr lang="en-US"/>
+          </a:p>
+        </p:txBody>
+      </p:sp>
+    </p:spTree>
+    <p:extLst>
+      <p:ext uri="{BB962C8B-B14F-4D97-AF65-F5344CB8AC3E}">
+        <p14:creationId xmlns:p14="http://schemas.microsoft.com/office/powerpoint/2010/main" val="1112003420"/>
+      </p:ext>
+    </p:extLst>
+  </p:cSld>
+  <p:clrMap bg1="lt1" tx1="dk1" bg2="lt2" tx2="dk2" accent1="accent1" accent2="accent2" accent3="accent3" accent4="accent4" accent5="accent5" accent6="accent6" hlink="hlink" folHlink="folHlink"/>
+  <p:notesStyle>
+    <a:lvl1pPr marL="0" algn="l" defTabSz="914400" rtl="0" eaLnBrk="1" latinLnBrk="0" hangingPunct="1">
+      <a:defRPr sz="1200" kern="1200">
+        <a:solidFill>
+          <a:schemeClr val="tx1"/>
+        </a:solidFill>
+        <a:latin typeface="+mn-lt"/>
+        <a:ea typeface="+mn-ea"/>
+        <a:cs typeface="+mn-cs"/>
+      </a:defRPr>
+    </a:lvl1pPr>
+    <a:lvl2pPr marL="457200" algn="l" defTabSz="914400" rtl="0" eaLnBrk="1" latinLnBrk="0" hangingPunct="1">
+      <a:defRPr sz="1200" kern="1200">
+        <a:solidFill>
+          <a:schemeClr val="tx1"/>
+        </a:solidFill>
+        <a:latin typeface="+mn-lt"/>
+        <a:ea typeface="+mn-ea"/>
+        <a:cs typeface="+mn-cs"/>
+      </a:defRPr>
+    </a:lvl2pPr>
+    <a:lvl3pPr marL="914400" algn="l" defTabSz="914400" rtl="0" eaLnBrk="1" latinLnBrk="0" hangingPunct="1">
+      <a:defRPr sz="1200" kern="1200">
+        <a:solidFill>
+          <a:schemeClr val="tx1"/>
+        </a:solidFill>
+        <a:latin typeface="+mn-lt"/>
+        <a:ea typeface="+mn-ea"/>
+        <a:cs typeface="+mn-cs"/>
+      </a:defRPr>
+    </a:lvl3pPr>
+    <a:lvl4pPr marL="1371600" algn="l" defTabSz="914400" rtl="0" eaLnBrk="1" latinLnBrk="0" hangingPunct="1">
+      <a:defRPr sz="1200" kern="1200">
+        <a:solidFill>
+          <a:schemeClr val="tx1"/>
+        </a:solidFill>
+        <a:latin typeface="+mn-lt"/>
+        <a:ea typeface="+mn-ea"/>
+        <a:cs typeface="+mn-cs"/>
+      </a:defRPr>
+    </a:lvl4pPr>
+    <a:lvl5pPr marL="1828800" algn="l" defTabSz="914400" rtl="0" eaLnBrk="1" latinLnBrk="0" hangingPunct="1">
+      <a:defRPr sz="1200" kern="1200">
+        <a:solidFill>
+          <a:schemeClr val="tx1"/>
+        </a:solidFill>
+        <a:latin typeface="+mn-lt"/>
+        <a:ea typeface="+mn-ea"/>
+        <a:cs typeface="+mn-cs"/>
+      </a:defRPr>
+    </a:lvl5pPr>
+    <a:lvl6pPr marL="2286000" algn="l" defTabSz="914400" rtl="0" eaLnBrk="1" latinLnBrk="0" hangingPunct="1">
+      <a:defRPr sz="1200" kern="1200">
+        <a:solidFill>
+          <a:schemeClr val="tx1"/>
+        </a:solidFill>
+        <a:latin typeface="+mn-lt"/>
+        <a:ea typeface="+mn-ea"/>
+        <a:cs typeface="+mn-cs"/>
+      </a:defRPr>
+    </a:lvl6pPr>
+    <a:lvl7pPr marL="2743200" algn="l" defTabSz="914400" rtl="0" eaLnBrk="1" latinLnBrk="0" hangingPunct="1">
+      <a:defRPr sz="1200" kern="1200">
+        <a:solidFill>
+          <a:schemeClr val="tx1"/>
+        </a:solidFill>
+        <a:latin typeface="+mn-lt"/>
+        <a:ea typeface="+mn-ea"/>
+        <a:cs typeface="+mn-cs"/>
+      </a:defRPr>
+    </a:lvl7pPr>
+    <a:lvl8pPr marL="3200400" algn="l" defTabSz="914400" rtl="0" eaLnBrk="1" latinLnBrk="0" hangingPunct="1">
+      <a:defRPr sz="1200" kern="1200">
+        <a:solidFill>
+          <a:schemeClr val="tx1"/>
+        </a:solidFill>
+        <a:latin typeface="+mn-lt"/>
+        <a:ea typeface="+mn-ea"/>
+        <a:cs typeface="+mn-cs"/>
+      </a:defRPr>
+    </a:lvl8pPr>
+    <a:lvl9pPr marL="3657600" algn="l" defTabSz="914400" rtl="0" eaLnBrk="1" latinLnBrk="0" hangingPunct="1">
+      <a:defRPr sz="1200" kern="1200">
+        <a:solidFill>
+          <a:schemeClr val="tx1"/>
+        </a:solidFill>
+        <a:latin typeface="+mn-lt"/>
+        <a:ea typeface="+mn-ea"/>
+        <a:cs typeface="+mn-cs"/>
+      </a:defRPr>
+    </a:lvl9pPr>
+  </p:notesStyle>
+</p:notesMaster>
+</file>
+
+<file path=ppt/notesSlides/notesSlide1.xml><?xml version="1.0" encoding="utf-8"?>
+<p:notes xmlns:a="http://schemas.openxmlformats.org/drawingml/2006/main" xmlns:r="http://schemas.openxmlformats.org/officeDocument/2006/relationships" xmlns:p="http://schemas.openxmlformats.org/presentationml/2006/main">
+  <p:cSld>
+    <p:spTree>
+      <p:nvGrpSpPr>
+        <p:cNvPr id="1" name=""/>
+        <p:cNvGrpSpPr/>
+        <p:nvPr/>
+      </p:nvGrpSpPr>
+      <p:grpSpPr>
+        <a:xfrm>
+          <a:off x="0" y="0"/>
+          <a:ext cx="0" cy="0"/>
+          <a:chOff x="0" y="0"/>
+          <a:chExt cx="0" cy="0"/>
+        </a:xfrm>
+      </p:grpSpPr>
+      <p:sp>
+        <p:nvSpPr>
+          <p:cNvPr id="2" name="Slide Image Placeholder 1"/>
+          <p:cNvSpPr>
+            <a:spLocks noGrp="1" noRot="1" noChangeAspect="1"/>
+          </p:cNvSpPr>
+          <p:nvPr>
+            <p:ph type="sldImg"/>
+          </p:nvPr>
+        </p:nvSpPr>
+        <p:spPr/>
+      </p:sp>
+      <p:sp>
+        <p:nvSpPr>
+          <p:cNvPr id="3" name="Notes Placeholder 2"/>
+          <p:cNvSpPr>
+            <a:spLocks noGrp="1"/>
+          </p:cNvSpPr>
+          <p:nvPr>
+            <p:ph type="body" idx="1"/>
+          </p:nvPr>
+        </p:nvSpPr>
+        <p:spPr/>
+        <p:txBody>
+          <a:bodyPr/>
+          <a:lstStyle/>
+          <a:p>
+            <a:r>
+              <a:rPr lang="sv-SE" dirty="0"/>
+              <a:t>Target </a:t>
+            </a:r>
+            <a:r>
+              <a:rPr lang="sv-SE" dirty="0" err="1"/>
+              <a:t>group</a:t>
+            </a:r>
+            <a:r>
+              <a:rPr lang="sv-SE" dirty="0"/>
+              <a:t>: </a:t>
+            </a:r>
+          </a:p>
+          <a:p>
+            <a:r>
+              <a:rPr lang="sv-SE" dirty="0"/>
+              <a:t>Animal </a:t>
+            </a:r>
+            <a:r>
+              <a:rPr lang="sv-SE" dirty="0" err="1"/>
+              <a:t>protection</a:t>
+            </a:r>
+            <a:r>
+              <a:rPr lang="sv-SE" dirty="0"/>
+              <a:t> services/</a:t>
+            </a:r>
+            <a:r>
+              <a:rPr lang="sv-SE" dirty="0" err="1"/>
+              <a:t>organizations</a:t>
+            </a:r>
+            <a:r>
+              <a:rPr lang="sv-SE" dirty="0"/>
+              <a:t>, i.e. WWF</a:t>
+            </a:r>
+          </a:p>
+          <a:p>
+            <a:r>
+              <a:rPr lang="sv-SE" dirty="0" err="1"/>
+              <a:t>Tourism</a:t>
+            </a:r>
+            <a:r>
+              <a:rPr lang="sv-SE" dirty="0"/>
+              <a:t> </a:t>
+            </a:r>
+            <a:r>
+              <a:rPr lang="sv-SE" dirty="0" err="1"/>
+              <a:t>industry</a:t>
+            </a:r>
+            <a:r>
+              <a:rPr lang="sv-SE" dirty="0"/>
+              <a:t>, i.e. Safari expeditions</a:t>
+            </a:r>
+          </a:p>
+          <a:p>
+            <a:endParaRPr lang="en-US" dirty="0"/>
+          </a:p>
+        </p:txBody>
+      </p:sp>
+      <p:sp>
+        <p:nvSpPr>
+          <p:cNvPr id="4" name="Slide Number Placeholder 3"/>
+          <p:cNvSpPr>
+            <a:spLocks noGrp="1"/>
+          </p:cNvSpPr>
+          <p:nvPr>
+            <p:ph type="sldNum" sz="quarter" idx="5"/>
+          </p:nvPr>
+        </p:nvSpPr>
+        <p:spPr/>
+        <p:txBody>
+          <a:bodyPr/>
+          <a:lstStyle/>
+          <a:p>
+            <a:fld id="{51332DEE-88BD-4AB3-9189-9926C6A8F862}" type="slidenum">
+              <a:rPr lang="en-US" smtClean="0"/>
+              <a:t>2</a:t>
+            </a:fld>
+            <a:endParaRPr lang="en-US"/>
+          </a:p>
+        </p:txBody>
+      </p:sp>
+    </p:spTree>
+    <p:extLst>
+      <p:ext uri="{BB962C8B-B14F-4D97-AF65-F5344CB8AC3E}">
+        <p14:creationId xmlns:p14="http://schemas.microsoft.com/office/powerpoint/2010/main" val="1566446357"/>
+      </p:ext>
+    </p:extLst>
+  </p:cSld>
+  <p:clrMapOvr>
+    <a:masterClrMapping/>
+  </p:clrMapOvr>
+</p:notes>
+</file>
+
+<file path=ppt/notesSlides/notesSlide2.xml><?xml version="1.0" encoding="utf-8"?>
+<p:notes xmlns:a="http://schemas.openxmlformats.org/drawingml/2006/main" xmlns:r="http://schemas.openxmlformats.org/officeDocument/2006/relationships" xmlns:p="http://schemas.openxmlformats.org/presentationml/2006/main">
+  <p:cSld>
+    <p:spTree>
+      <p:nvGrpSpPr>
+        <p:cNvPr id="1" name=""/>
+        <p:cNvGrpSpPr/>
+        <p:nvPr/>
+      </p:nvGrpSpPr>
+      <p:grpSpPr>
+        <a:xfrm>
+          <a:off x="0" y="0"/>
+          <a:ext cx="0" cy="0"/>
+          <a:chOff x="0" y="0"/>
+          <a:chExt cx="0" cy="0"/>
+        </a:xfrm>
+      </p:grpSpPr>
+      <p:sp>
+        <p:nvSpPr>
+          <p:cNvPr id="2" name="Slide Image Placeholder 1"/>
+          <p:cNvSpPr>
+            <a:spLocks noGrp="1" noRot="1" noChangeAspect="1"/>
+          </p:cNvSpPr>
+          <p:nvPr>
+            <p:ph type="sldImg"/>
+          </p:nvPr>
+        </p:nvSpPr>
+        <p:spPr/>
+      </p:sp>
+      <p:sp>
+        <p:nvSpPr>
+          <p:cNvPr id="3" name="Notes Placeholder 2"/>
+          <p:cNvSpPr>
+            <a:spLocks noGrp="1"/>
+          </p:cNvSpPr>
+          <p:nvPr>
+            <p:ph type="body" idx="1"/>
+          </p:nvPr>
+        </p:nvSpPr>
+        <p:spPr/>
+        <p:txBody>
+          <a:bodyPr/>
+          <a:lstStyle/>
+          <a:p>
+            <a:pPr lvl="1"/>
+            <a:r>
+              <a:rPr lang="sv-SE" dirty="0"/>
+              <a:t>Vision: </a:t>
+            </a:r>
+            <a:r>
+              <a:rPr lang="sv-SE" dirty="0" err="1"/>
+              <a:t>Apply</a:t>
+            </a:r>
+            <a:r>
+              <a:rPr lang="sv-SE" dirty="0"/>
+              <a:t> real </a:t>
+            </a:r>
+            <a:r>
+              <a:rPr lang="sv-SE" dirty="0" err="1"/>
+              <a:t>time</a:t>
+            </a:r>
+            <a:r>
+              <a:rPr lang="sv-SE" dirty="0"/>
+              <a:t> data to </a:t>
+            </a:r>
+            <a:r>
+              <a:rPr lang="sv-SE" dirty="0" err="1"/>
+              <a:t>our</a:t>
+            </a:r>
+            <a:r>
+              <a:rPr lang="sv-SE" dirty="0"/>
+              <a:t> ML-</a:t>
+            </a:r>
+            <a:r>
+              <a:rPr lang="sv-SE" dirty="0" err="1"/>
+              <a:t>models</a:t>
+            </a:r>
+            <a:endParaRPr lang="sv-SE" dirty="0"/>
+          </a:p>
+          <a:p>
+            <a:pPr lvl="1"/>
+            <a:r>
+              <a:rPr lang="sv-SE" dirty="0"/>
+              <a:t>To </a:t>
+            </a:r>
+            <a:r>
+              <a:rPr lang="sv-SE" dirty="0" err="1"/>
+              <a:t>predict</a:t>
+            </a:r>
+            <a:r>
+              <a:rPr lang="sv-SE" dirty="0"/>
+              <a:t> </a:t>
+            </a:r>
+            <a:r>
+              <a:rPr lang="sv-SE" dirty="0" err="1"/>
+              <a:t>future</a:t>
+            </a:r>
+            <a:r>
+              <a:rPr lang="sv-SE" dirty="0"/>
+              <a:t> </a:t>
+            </a:r>
+            <a:r>
+              <a:rPr lang="sv-SE" dirty="0" err="1"/>
+              <a:t>movement</a:t>
+            </a:r>
+            <a:endParaRPr lang="en-SE" dirty="0"/>
+          </a:p>
+          <a:p>
+            <a:endParaRPr lang="sv-SE" dirty="0"/>
+          </a:p>
+          <a:p>
+            <a:r>
+              <a:rPr lang="sv-SE" dirty="0" err="1"/>
+              <a:t>Easily</a:t>
+            </a:r>
+            <a:r>
+              <a:rPr lang="sv-SE" dirty="0"/>
+              <a:t> </a:t>
+            </a:r>
+            <a:r>
+              <a:rPr lang="sv-SE" dirty="0" err="1"/>
+              <a:t>scalable</a:t>
+            </a:r>
+            <a:r>
+              <a:rPr lang="sv-SE" dirty="0"/>
+              <a:t> and </a:t>
+            </a:r>
+            <a:r>
+              <a:rPr lang="sv-SE" dirty="0" err="1"/>
+              <a:t>applicable</a:t>
+            </a:r>
+            <a:r>
+              <a:rPr lang="sv-SE" dirty="0"/>
+              <a:t> to </a:t>
+            </a:r>
+            <a:r>
+              <a:rPr lang="sv-SE" dirty="0" err="1"/>
+              <a:t>other</a:t>
+            </a:r>
+            <a:r>
+              <a:rPr lang="sv-SE" dirty="0"/>
+              <a:t> animal species*</a:t>
+            </a:r>
+          </a:p>
+          <a:p>
+            <a:r>
+              <a:rPr lang="sv-SE" dirty="0"/>
+              <a:t>Or </a:t>
+            </a:r>
+            <a:r>
+              <a:rPr lang="sv-SE" dirty="0" err="1"/>
+              <a:t>other</a:t>
+            </a:r>
+            <a:r>
+              <a:rPr lang="sv-SE" dirty="0"/>
+              <a:t> </a:t>
+            </a:r>
+            <a:r>
+              <a:rPr lang="sv-SE" dirty="0" err="1"/>
+              <a:t>industries</a:t>
+            </a:r>
+            <a:r>
+              <a:rPr lang="sv-SE" dirty="0"/>
+              <a:t>, </a:t>
+            </a:r>
+            <a:r>
+              <a:rPr lang="sv-SE" dirty="0" err="1"/>
+              <a:t>e.g</a:t>
+            </a:r>
+            <a:r>
+              <a:rPr lang="sv-SE" dirty="0"/>
+              <a:t>. </a:t>
+            </a:r>
+            <a:r>
+              <a:rPr lang="sv-SE" dirty="0" err="1"/>
+              <a:t>Finance</a:t>
+            </a:r>
+            <a:r>
+              <a:rPr lang="sv-SE" dirty="0"/>
+              <a:t> or </a:t>
+            </a:r>
+            <a:r>
+              <a:rPr lang="sv-SE" dirty="0" err="1"/>
+              <a:t>weather</a:t>
+            </a:r>
+            <a:r>
+              <a:rPr lang="sv-SE" dirty="0"/>
+              <a:t> </a:t>
+            </a:r>
+            <a:r>
+              <a:rPr lang="sv-SE" dirty="0" err="1"/>
+              <a:t>forecasting</a:t>
+            </a:r>
+            <a:r>
+              <a:rPr lang="sv-SE" dirty="0"/>
+              <a:t>  </a:t>
+            </a:r>
+            <a:endParaRPr lang="en-SE" dirty="0"/>
+          </a:p>
+        </p:txBody>
+      </p:sp>
+      <p:sp>
+        <p:nvSpPr>
+          <p:cNvPr id="4" name="Slide Number Placeholder 3"/>
+          <p:cNvSpPr>
+            <a:spLocks noGrp="1"/>
+          </p:cNvSpPr>
+          <p:nvPr>
+            <p:ph type="sldNum" sz="quarter" idx="5"/>
+          </p:nvPr>
+        </p:nvSpPr>
+        <p:spPr/>
+        <p:txBody>
+          <a:bodyPr/>
+          <a:lstStyle/>
+          <a:p>
+            <a:fld id="{51332DEE-88BD-4AB3-9189-9926C6A8F862}" type="slidenum">
+              <a:rPr lang="en-US" smtClean="0"/>
+              <a:t>3</a:t>
+            </a:fld>
+            <a:endParaRPr lang="en-US"/>
+          </a:p>
+        </p:txBody>
+      </p:sp>
+    </p:spTree>
+    <p:extLst>
+      <p:ext uri="{BB962C8B-B14F-4D97-AF65-F5344CB8AC3E}">
+        <p14:creationId xmlns:p14="http://schemas.microsoft.com/office/powerpoint/2010/main" val="2358353701"/>
+      </p:ext>
+    </p:extLst>
+  </p:cSld>
+  <p:clrMapOvr>
+    <a:masterClrMapping/>
+  </p:clrMapOvr>
+</p:notes>
+</file>
+
+<file path=ppt/notesSlides/notesSlide3.xml><?xml version="1.0" encoding="utf-8"?>
+<p:notes xmlns:a="http://schemas.openxmlformats.org/drawingml/2006/main" xmlns:r="http://schemas.openxmlformats.org/officeDocument/2006/relationships" xmlns:p="http://schemas.openxmlformats.org/presentationml/2006/main">
+  <p:cSld>
+    <p:spTree>
+      <p:nvGrpSpPr>
+        <p:cNvPr id="1" name=""/>
+        <p:cNvGrpSpPr/>
+        <p:nvPr/>
+      </p:nvGrpSpPr>
+      <p:grpSpPr>
+        <a:xfrm>
+          <a:off x="0" y="0"/>
+          <a:ext cx="0" cy="0"/>
+          <a:chOff x="0" y="0"/>
+          <a:chExt cx="0" cy="0"/>
+        </a:xfrm>
+      </p:grpSpPr>
+      <p:sp>
+        <p:nvSpPr>
+          <p:cNvPr id="2" name="Slide Image Placeholder 1"/>
+          <p:cNvSpPr>
+            <a:spLocks noGrp="1" noRot="1" noChangeAspect="1"/>
+          </p:cNvSpPr>
+          <p:nvPr>
+            <p:ph type="sldImg"/>
+          </p:nvPr>
+        </p:nvSpPr>
+        <p:spPr/>
+      </p:sp>
+      <p:sp>
+        <p:nvSpPr>
+          <p:cNvPr id="3" name="Notes Placeholder 2"/>
+          <p:cNvSpPr>
+            <a:spLocks noGrp="1"/>
+          </p:cNvSpPr>
+          <p:nvPr>
+            <p:ph type="body" idx="1"/>
+          </p:nvPr>
+        </p:nvSpPr>
+        <p:spPr/>
+        <p:txBody>
+          <a:bodyPr/>
+          <a:lstStyle/>
+          <a:p>
+            <a:pPr lvl="1"/>
+            <a:r>
+              <a:rPr lang="sv-SE" dirty="0" err="1"/>
+              <a:t>How</a:t>
+            </a:r>
+            <a:r>
+              <a:rPr lang="sv-SE" dirty="0"/>
+              <a:t> to </a:t>
+            </a:r>
+            <a:r>
+              <a:rPr lang="sv-SE" dirty="0" err="1"/>
+              <a:t>handle</a:t>
+            </a:r>
+            <a:r>
+              <a:rPr lang="sv-SE" dirty="0"/>
+              <a:t>, </a:t>
+            </a:r>
+            <a:r>
+              <a:rPr lang="sv-SE" dirty="0" err="1"/>
+              <a:t>explore</a:t>
+            </a:r>
+            <a:r>
+              <a:rPr lang="sv-SE" dirty="0"/>
+              <a:t> and store the </a:t>
+            </a:r>
+            <a:r>
+              <a:rPr lang="sv-SE" dirty="0" err="1"/>
+              <a:t>timeserie-based</a:t>
+            </a:r>
+            <a:r>
+              <a:rPr lang="sv-SE" dirty="0"/>
+              <a:t> data</a:t>
+            </a:r>
+          </a:p>
+          <a:p>
+            <a:pPr lvl="1"/>
+            <a:r>
+              <a:rPr lang="sv-SE" dirty="0" err="1"/>
+              <a:t>Applying</a:t>
+            </a:r>
+            <a:r>
+              <a:rPr lang="sv-SE" dirty="0"/>
+              <a:t> </a:t>
+            </a:r>
+            <a:r>
+              <a:rPr lang="sv-SE" dirty="0" err="1"/>
+              <a:t>timeseries</a:t>
+            </a:r>
+            <a:r>
+              <a:rPr lang="sv-SE" dirty="0"/>
+              <a:t> in </a:t>
+            </a:r>
+            <a:r>
+              <a:rPr lang="sv-SE" dirty="0" err="1"/>
+              <a:t>machine</a:t>
+            </a:r>
+            <a:r>
+              <a:rPr lang="sv-SE" dirty="0"/>
+              <a:t> </a:t>
+            </a:r>
+            <a:r>
+              <a:rPr lang="sv-SE" dirty="0" err="1"/>
+              <a:t>learing</a:t>
+            </a:r>
+            <a:r>
+              <a:rPr lang="sv-SE" dirty="0"/>
+              <a:t> </a:t>
+            </a:r>
+            <a:r>
+              <a:rPr lang="sv-SE" dirty="0" err="1"/>
+              <a:t>models</a:t>
+            </a:r>
+            <a:endParaRPr lang="sv-SE" dirty="0"/>
+          </a:p>
+        </p:txBody>
+      </p:sp>
+      <p:sp>
+        <p:nvSpPr>
+          <p:cNvPr id="4" name="Slide Number Placeholder 3"/>
+          <p:cNvSpPr>
+            <a:spLocks noGrp="1"/>
+          </p:cNvSpPr>
+          <p:nvPr>
+            <p:ph type="sldNum" sz="quarter" idx="5"/>
+          </p:nvPr>
+        </p:nvSpPr>
+        <p:spPr/>
+        <p:txBody>
+          <a:bodyPr/>
+          <a:lstStyle/>
+          <a:p>
+            <a:fld id="{51332DEE-88BD-4AB3-9189-9926C6A8F862}" type="slidenum">
+              <a:rPr lang="en-US" smtClean="0"/>
+              <a:t>5</a:t>
+            </a:fld>
+            <a:endParaRPr lang="en-US"/>
+          </a:p>
+        </p:txBody>
+      </p:sp>
+    </p:spTree>
+    <p:extLst>
+      <p:ext uri="{BB962C8B-B14F-4D97-AF65-F5344CB8AC3E}">
+        <p14:creationId xmlns:p14="http://schemas.microsoft.com/office/powerpoint/2010/main" val="998608084"/>
+      </p:ext>
+    </p:extLst>
+  </p:cSld>
+  <p:clrMapOvr>
+    <a:masterClrMapping/>
+  </p:clrMapOvr>
+</p:notes>
 </file>
 
 <file path=ppt/slideLayouts/slideLayout1.xml><?xml version="1.0" encoding="utf-8"?>
@@ -429,7 +1315,7 @@
             <a:fld id="{1449AA12-8195-4182-A7AC-2E7E59DFBDAF}" type="datetimeFigureOut">
               <a:rPr lang="en-US" smtClean="0"/>
               <a:pPr algn="r"/>
-              <a:t>2/10/2023</a:t>
+              <a:t>2/13/2023</a:t>
             </a:fld>
             <a:endParaRPr lang="en-US"/>
           </a:p>
@@ -645,7 +1531,7 @@
           <a:p>
             <a:fld id="{1449AA12-8195-4182-A7AC-2E7E59DFBDAF}" type="datetimeFigureOut">
               <a:rPr lang="en-US" smtClean="0"/>
-              <a:t>2/10/2023</a:t>
+              <a:t>2/13/2023</a:t>
             </a:fld>
             <a:endParaRPr lang="en-US"/>
           </a:p>
@@ -1017,7 +1903,7 @@
           <a:p>
             <a:fld id="{1449AA12-8195-4182-A7AC-2E7E59DFBDAF}" type="datetimeFigureOut">
               <a:rPr lang="en-US" smtClean="0"/>
-              <a:t>2/10/2023</a:t>
+              <a:t>2/13/2023</a:t>
             </a:fld>
             <a:endParaRPr lang="en-US"/>
           </a:p>
@@ -1379,7 +2265,7 @@
           <a:p>
             <a:fld id="{1449AA12-8195-4182-A7AC-2E7E59DFBDAF}" type="datetimeFigureOut">
               <a:rPr lang="en-US" smtClean="0"/>
-              <a:t>2/10/2023</a:t>
+              <a:t>2/13/2023</a:t>
             </a:fld>
             <a:endParaRPr lang="en-US"/>
           </a:p>
@@ -1819,7 +2705,7 @@
           <a:p>
             <a:fld id="{1449AA12-8195-4182-A7AC-2E7E59DFBDAF}" type="datetimeFigureOut">
               <a:rPr lang="en-US" smtClean="0"/>
-              <a:t>2/10/2023</a:t>
+              <a:t>2/13/2023</a:t>
             </a:fld>
             <a:endParaRPr lang="en-US"/>
           </a:p>
@@ -2259,7 +3145,7 @@
           <a:p>
             <a:fld id="{1449AA12-8195-4182-A7AC-2E7E59DFBDAF}" type="datetimeFigureOut">
               <a:rPr lang="en-US" smtClean="0"/>
-              <a:t>2/10/2023</a:t>
+              <a:t>2/13/2023</a:t>
             </a:fld>
             <a:endParaRPr lang="en-US"/>
           </a:p>
@@ -2867,7 +3753,7 @@
           <a:p>
             <a:fld id="{1449AA12-8195-4182-A7AC-2E7E59DFBDAF}" type="datetimeFigureOut">
               <a:rPr lang="en-US" smtClean="0"/>
-              <a:t>2/10/2023</a:t>
+              <a:t>2/13/2023</a:t>
             </a:fld>
             <a:endParaRPr lang="en-US"/>
           </a:p>
@@ -3172,7 +4058,7 @@
           <a:p>
             <a:fld id="{1449AA12-8195-4182-A7AC-2E7E59DFBDAF}" type="datetimeFigureOut">
               <a:rPr lang="en-US" smtClean="0"/>
-              <a:t>2/10/2023</a:t>
+              <a:t>2/13/2023</a:t>
             </a:fld>
             <a:endParaRPr lang="en-US"/>
           </a:p>
@@ -3449,7 +4335,7 @@
           <a:p>
             <a:fld id="{1449AA12-8195-4182-A7AC-2E7E59DFBDAF}" type="datetimeFigureOut">
               <a:rPr lang="en-US" smtClean="0"/>
-              <a:t>2/10/2023</a:t>
+              <a:t>2/13/2023</a:t>
             </a:fld>
             <a:endParaRPr lang="en-US"/>
           </a:p>
@@ -3926,7 +4812,7 @@
           <a:p>
             <a:fld id="{1449AA12-8195-4182-A7AC-2E7E59DFBDAF}" type="datetimeFigureOut">
               <a:rPr lang="en-US" smtClean="0"/>
-              <a:t>2/10/2023</a:t>
+              <a:t>2/13/2023</a:t>
             </a:fld>
             <a:endParaRPr lang="en-US"/>
           </a:p>
@@ -4381,7 +5267,7 @@
           <a:p>
             <a:fld id="{1449AA12-8195-4182-A7AC-2E7E59DFBDAF}" type="datetimeFigureOut">
               <a:rPr lang="en-US" smtClean="0"/>
-              <a:t>2/10/2023</a:t>
+              <a:t>2/13/2023</a:t>
             </a:fld>
             <a:endParaRPr lang="en-US"/>
           </a:p>
@@ -4787,7 +5673,7 @@
             <a:fld id="{1449AA12-8195-4182-A7AC-2E7E59DFBDAF}" type="datetimeFigureOut">
               <a:rPr lang="en-US" smtClean="0"/>
               <a:pPr/>
-              <a:t>2/10/2023</a:t>
+              <a:t>2/13/2023</a:t>
             </a:fld>
             <a:endParaRPr lang="en-US"/>
           </a:p>
@@ -5622,7 +6508,7 @@
           <p:cNvPr id="2" name="Title 1">
             <a:extLst>
               <a:ext uri="{FF2B5EF4-FFF2-40B4-BE49-F238E27FC236}">
-                <a16:creationId xmlns:a16="http://schemas.microsoft.com/office/drawing/2014/main" id="{75262744-DCAB-5228-61CB-2AC4F738D15B}"/>
+                <a16:creationId xmlns:a16="http://schemas.microsoft.com/office/drawing/2014/main" id="{D915D339-809E-7258-7762-B3B3C8F8B2E4}"/>
               </a:ext>
             </a:extLst>
           </p:cNvPr>
@@ -5640,9 +6526,9 @@
           <a:p>
             <a:r>
               <a:rPr lang="sv-SE" dirty="0"/>
-              <a:t>Our product</a:t>
-            </a:r>
-            <a:endParaRPr lang="en-SE" dirty="0"/>
+              <a:t>The problem</a:t>
+            </a:r>
+            <a:endParaRPr lang="en-US" dirty="0"/>
           </a:p>
         </p:txBody>
       </p:sp>
@@ -5651,7 +6537,7 @@
           <p:cNvPr id="3" name="Content Placeholder 2">
             <a:extLst>
               <a:ext uri="{FF2B5EF4-FFF2-40B4-BE49-F238E27FC236}">
-                <a16:creationId xmlns:a16="http://schemas.microsoft.com/office/drawing/2014/main" id="{606EA84B-8234-4BE3-8488-8C72DCF0AC8F}"/>
+                <a16:creationId xmlns:a16="http://schemas.microsoft.com/office/drawing/2014/main" id="{C0C2837B-C678-6644-5229-29C6347609D7}"/>
               </a:ext>
             </a:extLst>
           </p:cNvPr>
@@ -5668,62 +6554,40 @@
           <a:lstStyle/>
           <a:p>
             <a:r>
-              <a:rPr lang="sv-SE" dirty="0"/>
-              <a:t>A developed and well-trained AI-product</a:t>
+              <a:rPr lang="en-US" dirty="0"/>
+              <a:t>Animal protection and reservation</a:t>
             </a:r>
           </a:p>
           <a:p>
             <a:pPr lvl="1"/>
             <a:r>
-              <a:rPr lang="sv-SE" dirty="0"/>
-              <a:t>Supported by </a:t>
-            </a:r>
-            <a:r>
-              <a:rPr lang="sv-SE" i="1" dirty="0"/>
-              <a:t>TWO</a:t>
-            </a:r>
-            <a:r>
-              <a:rPr lang="sv-SE" dirty="0"/>
-              <a:t> Machine Learning models </a:t>
+              <a:rPr lang="en-US" dirty="0"/>
+              <a:t>Endangered species</a:t>
             </a:r>
           </a:p>
           <a:p>
             <a:pPr lvl="1"/>
             <a:r>
-              <a:rPr lang="sv-SE" dirty="0"/>
-              <a:t>100% tracking and visualization of the elephants</a:t>
+              <a:rPr lang="en-US" dirty="0"/>
+              <a:t>Track sick animal/animal in distress</a:t>
             </a:r>
           </a:p>
           <a:p>
             <a:pPr lvl="1"/>
             <a:r>
-              <a:rPr lang="sv-SE" dirty="0"/>
-              <a:t>Based on accurate and scientific data</a:t>
-            </a:r>
-          </a:p>
-          <a:p>
-            <a:r>
-              <a:rPr lang="sv-SE" dirty="0"/>
-              <a:t>Historical data as source </a:t>
-            </a:r>
-            <a:r>
-              <a:rPr lang="en-SE" dirty="0"/>
-              <a:t>→</a:t>
-            </a:r>
-            <a:r>
-              <a:rPr lang="sv-SE" dirty="0"/>
-              <a:t> applicable in any data science project</a:t>
-            </a:r>
-          </a:p>
-          <a:p>
-            <a:endParaRPr lang="sv-SE" dirty="0"/>
+              <a:rPr lang="en-US" dirty="0"/>
+              <a:t>Animal poaching</a:t>
+            </a:r>
+          </a:p>
+          <a:p>
+            <a:endParaRPr lang="en-US" dirty="0"/>
           </a:p>
         </p:txBody>
       </p:sp>
     </p:spTree>
     <p:extLst>
       <p:ext uri="{BB962C8B-B14F-4D97-AF65-F5344CB8AC3E}">
-        <p14:creationId xmlns:p14="http://schemas.microsoft.com/office/powerpoint/2010/main" val="1903796187"/>
+        <p14:creationId xmlns:p14="http://schemas.microsoft.com/office/powerpoint/2010/main" val="376420807"/>
       </p:ext>
     </p:extLst>
   </p:cSld>
@@ -5755,7 +6619,7 @@
           <p:cNvPr id="2" name="Title 1">
             <a:extLst>
               <a:ext uri="{FF2B5EF4-FFF2-40B4-BE49-F238E27FC236}">
-                <a16:creationId xmlns:a16="http://schemas.microsoft.com/office/drawing/2014/main" id="{90FD6FEA-FF29-5AF1-B983-3AE9E1BB2B20}"/>
+                <a16:creationId xmlns:a16="http://schemas.microsoft.com/office/drawing/2014/main" id="{3F4C564B-88CE-1ED4-3FBD-5DF19E3EBEDF}"/>
               </a:ext>
             </a:extLst>
           </p:cNvPr>
@@ -5773,9 +6637,9 @@
           <a:p>
             <a:r>
               <a:rPr lang="sv-SE" dirty="0"/>
-              <a:t>Our vision &amp; goal</a:t>
-            </a:r>
-            <a:endParaRPr lang="en-SE" dirty="0"/>
+              <a:t>The solution</a:t>
+            </a:r>
+            <a:endParaRPr lang="en-US" dirty="0"/>
           </a:p>
         </p:txBody>
       </p:sp>
@@ -5784,7 +6648,7 @@
           <p:cNvPr id="3" name="Content Placeholder 2">
             <a:extLst>
               <a:ext uri="{FF2B5EF4-FFF2-40B4-BE49-F238E27FC236}">
-                <a16:creationId xmlns:a16="http://schemas.microsoft.com/office/drawing/2014/main" id="{4A66E99B-7E7B-98B0-C9FC-F48C326AD140}"/>
+                <a16:creationId xmlns:a16="http://schemas.microsoft.com/office/drawing/2014/main" id="{040A43F1-3F06-7A44-BFA1-16C71E21A793}"/>
               </a:ext>
             </a:extLst>
           </p:cNvPr>
@@ -5802,52 +6666,141 @@
           <a:p>
             <a:r>
               <a:rPr lang="sv-SE" dirty="0"/>
-              <a:t>Great ambition: </a:t>
-            </a:r>
+              <a:t>A </a:t>
+            </a:r>
+            <a:r>
+              <a:rPr lang="sv-SE" dirty="0" err="1"/>
+              <a:t>developed</a:t>
+            </a:r>
+            <a:r>
+              <a:rPr lang="sv-SE" dirty="0"/>
+              <a:t> and </a:t>
+            </a:r>
+            <a:r>
+              <a:rPr lang="sv-SE" dirty="0" err="1"/>
+              <a:t>well-trained</a:t>
+            </a:r>
+            <a:r>
+              <a:rPr lang="sv-SE" dirty="0"/>
+              <a:t> AI-</a:t>
+            </a:r>
+            <a:r>
+              <a:rPr lang="sv-SE" dirty="0" err="1"/>
+              <a:t>product</a:t>
+            </a:r>
+            <a:endParaRPr lang="sv-SE" dirty="0"/>
           </a:p>
           <a:p>
             <a:pPr lvl="1"/>
             <a:r>
+              <a:rPr lang="sv-SE" dirty="0" err="1"/>
+              <a:t>Supported</a:t>
+            </a:r>
+            <a:r>
               <a:rPr lang="sv-SE" dirty="0"/>
-              <a:t>Apply real time data to our ML-models</a:t>
+              <a:t> by </a:t>
+            </a:r>
+            <a:r>
+              <a:rPr lang="sv-SE" i="1" dirty="0"/>
+              <a:t>TWO</a:t>
+            </a:r>
+            <a:r>
+              <a:rPr lang="sv-SE" dirty="0"/>
+              <a:t> </a:t>
+            </a:r>
+            <a:r>
+              <a:rPr lang="sv-SE" dirty="0" err="1"/>
+              <a:t>Machine</a:t>
+            </a:r>
+            <a:r>
+              <a:rPr lang="sv-SE" dirty="0"/>
+              <a:t> Learning </a:t>
+            </a:r>
+            <a:r>
+              <a:rPr lang="sv-SE" dirty="0" err="1"/>
+              <a:t>models</a:t>
+            </a:r>
+            <a:r>
+              <a:rPr lang="sv-SE" dirty="0"/>
+              <a:t> </a:t>
             </a:r>
           </a:p>
           <a:p>
             <a:pPr lvl="1"/>
             <a:r>
+              <a:rPr lang="en-US" dirty="0"/>
+              <a:t>Location</a:t>
+            </a:r>
+            <a:r>
               <a:rPr lang="sv-SE" dirty="0"/>
-              <a:t>To predict future movement </a:t>
-            </a:r>
-          </a:p>
-          <a:p>
+              <a:t> </a:t>
+            </a:r>
+            <a:r>
+              <a:rPr lang="sv-SE" dirty="0" err="1"/>
+              <a:t>tracking</a:t>
+            </a:r>
             <a:r>
               <a:rPr lang="sv-SE" dirty="0"/>
-              <a:t>Animal protect and reservation</a:t>
-            </a:r>
+              <a:t> and </a:t>
+            </a:r>
+            <a:r>
+              <a:rPr lang="sv-SE" dirty="0" err="1"/>
+              <a:t>visualization</a:t>
+            </a:r>
+            <a:r>
+              <a:rPr lang="sv-SE" dirty="0"/>
+              <a:t> </a:t>
+            </a:r>
+            <a:r>
+              <a:rPr lang="sv-SE" dirty="0" err="1"/>
+              <a:t>of</a:t>
+            </a:r>
+            <a:r>
+              <a:rPr lang="sv-SE" dirty="0"/>
+              <a:t> the </a:t>
+            </a:r>
+            <a:r>
+              <a:rPr lang="sv-SE" dirty="0" err="1"/>
+              <a:t>elephants</a:t>
+            </a:r>
+            <a:endParaRPr lang="sv-SE" dirty="0"/>
           </a:p>
           <a:p>
             <a:pPr lvl="1"/>
             <a:r>
+              <a:rPr lang="sv-SE" dirty="0" err="1"/>
+              <a:t>Based</a:t>
+            </a:r>
+            <a:r>
               <a:rPr lang="sv-SE" dirty="0"/>
-              <a:t>Tracking leads to behaviour analysis, i.e. sick animal/animal in distress</a:t>
-            </a:r>
-          </a:p>
-          <a:p>
-            <a:pPr lvl="1"/>
+              <a:t> on </a:t>
+            </a:r>
+            <a:r>
+              <a:rPr lang="sv-SE" dirty="0" err="1"/>
+              <a:t>accurate</a:t>
+            </a:r>
             <a:r>
               <a:rPr lang="sv-SE" dirty="0"/>
-              <a:t>In the near future – expand to the whole animal kingdom </a:t>
-            </a:r>
-          </a:p>
-          <a:p>
-            <a:endParaRPr lang="en-SE" dirty="0"/>
+              <a:t> and </a:t>
+            </a:r>
+            <a:r>
+              <a:rPr lang="sv-SE" dirty="0" err="1"/>
+              <a:t>scientific</a:t>
+            </a:r>
+            <a:r>
+              <a:rPr lang="sv-SE" dirty="0"/>
+              <a:t> data</a:t>
+            </a:r>
+          </a:p>
+          <a:p>
+            <a:endParaRPr lang="en-US" dirty="0"/>
           </a:p>
         </p:txBody>
       </p:sp>
     </p:spTree>
     <p:extLst>
       <p:ext uri="{BB962C8B-B14F-4D97-AF65-F5344CB8AC3E}">
-        <p14:creationId xmlns:p14="http://schemas.microsoft.com/office/powerpoint/2010/main" val="280853515"/>
+        <p14:creationId xmlns:p14="http://schemas.microsoft.com/office/powerpoint/2010/main" val="3685519103"/>
       </p:ext>
     </p:extLst>
   </p:cSld>
@@ -5973,7 +6926,7 @@
           <p:cNvPr id="2" name="Title 1">
             <a:extLst>
               <a:ext uri="{FF2B5EF4-FFF2-40B4-BE49-F238E27FC236}">
-                <a16:creationId xmlns:a16="http://schemas.microsoft.com/office/drawing/2014/main" id="{2955C8EB-9104-6F8F-60ED-013C86534943}"/>
+                <a16:creationId xmlns:a16="http://schemas.microsoft.com/office/drawing/2014/main" id="{ECE0B106-7389-1A90-1503-24214D1A43E5}"/>
               </a:ext>
             </a:extLst>
           </p:cNvPr>
@@ -5990,8 +6943,12 @@
           <a:lstStyle/>
           <a:p>
             <a:r>
+              <a:rPr lang="sv-SE" dirty="0" err="1"/>
+              <a:t>Work</a:t>
+            </a:r>
+            <a:r>
               <a:rPr lang="sv-SE" dirty="0"/>
-              <a:t>Target group</a:t>
+              <a:t> process</a:t>
             </a:r>
             <a:endParaRPr lang="en-SE" dirty="0"/>
           </a:p>
@@ -6002,7 +6959,7 @@
           <p:cNvPr id="3" name="Content Placeholder 2">
             <a:extLst>
               <a:ext uri="{FF2B5EF4-FFF2-40B4-BE49-F238E27FC236}">
-                <a16:creationId xmlns:a16="http://schemas.microsoft.com/office/drawing/2014/main" id="{A72A0B2E-B571-91BC-6063-697615972AD4}"/>
+                <a16:creationId xmlns:a16="http://schemas.microsoft.com/office/drawing/2014/main" id="{1934E28E-610B-A486-B7A4-48872AFDB49D}"/>
               </a:ext>
             </a:extLst>
           </p:cNvPr>
@@ -6019,28 +6976,84 @@
           <a:lstStyle/>
           <a:p>
             <a:r>
+              <a:rPr lang="sv-SE" dirty="0" err="1"/>
+              <a:t>Agile</a:t>
+            </a:r>
+            <a:r>
               <a:rPr lang="sv-SE" dirty="0"/>
-              <a:t>Animal protection services/organizations, i.e. WWF</a:t>
-            </a:r>
-          </a:p>
-          <a:p>
+              <a:t> </a:t>
+            </a:r>
+          </a:p>
+          <a:p>
+            <a:pPr lvl="1"/>
+            <a:r>
+              <a:rPr lang="sv-SE" dirty="0" err="1"/>
+              <a:t>Identify</a:t>
+            </a:r>
             <a:r>
               <a:rPr lang="sv-SE" dirty="0"/>
-              <a:t>Tourism industry, i.e. Safari expeditions</a:t>
-            </a:r>
-          </a:p>
-          <a:p>
+              <a:t> requirements and needs (must have vs. nice to have)</a:t>
+            </a:r>
+          </a:p>
+          <a:p>
+            <a:pPr lvl="1"/>
             <a:r>
               <a:rPr lang="sv-SE" dirty="0"/>
-              <a:t>Data science community</a:t>
-            </a:r>
+              <a:t>Re-prioritize tasks and </a:t>
+            </a:r>
+            <a:r>
+              <a:rPr lang="sv-SE" dirty="0" err="1"/>
+              <a:t>goals</a:t>
+            </a:r>
+            <a:endParaRPr lang="sv-SE" dirty="0"/>
+          </a:p>
+          <a:p>
+            <a:r>
+              <a:rPr lang="sv-SE" dirty="0"/>
+              <a:t>Challenges</a:t>
+            </a:r>
+          </a:p>
+          <a:p>
+            <a:pPr lvl="1"/>
+            <a:r>
+              <a:rPr lang="sv-SE" dirty="0" err="1"/>
+              <a:t>Timeseries</a:t>
+            </a:r>
+            <a:r>
+              <a:rPr lang="sv-SE" dirty="0"/>
+              <a:t> in </a:t>
+            </a:r>
+            <a:r>
+              <a:rPr lang="sv-SE" dirty="0" err="1"/>
+              <a:t>dataset</a:t>
+            </a:r>
+            <a:r>
+              <a:rPr lang="sv-SE" dirty="0"/>
+              <a:t> </a:t>
+            </a:r>
+          </a:p>
+          <a:p>
+            <a:pPr lvl="1"/>
+            <a:r>
+              <a:rPr lang="sv-SE" dirty="0"/>
+              <a:t>Geo </a:t>
+            </a:r>
+            <a:r>
+              <a:rPr lang="sv-SE" dirty="0" err="1"/>
+              <a:t>plots</a:t>
+            </a:r>
+            <a:endParaRPr lang="sv-SE" dirty="0"/>
+          </a:p>
+          <a:p>
+            <a:pPr lvl="1"/>
+            <a:endParaRPr lang="en-SE" dirty="0"/>
           </a:p>
         </p:txBody>
       </p:sp>
     </p:spTree>
     <p:extLst>
       <p:ext uri="{BB962C8B-B14F-4D97-AF65-F5344CB8AC3E}">
-        <p14:creationId xmlns:p14="http://schemas.microsoft.com/office/powerpoint/2010/main" val="2495511935"/>
+        <p14:creationId xmlns:p14="http://schemas.microsoft.com/office/powerpoint/2010/main" val="1052880751"/>
       </p:ext>
     </p:extLst>
   </p:cSld>
@@ -6072,7 +7085,7 @@
           <p:cNvPr id="2" name="Title 1">
             <a:extLst>
               <a:ext uri="{FF2B5EF4-FFF2-40B4-BE49-F238E27FC236}">
-                <a16:creationId xmlns:a16="http://schemas.microsoft.com/office/drawing/2014/main" id="{1DBA4BF7-7B09-52C5-DDE7-4C46369D1192}"/>
+                <a16:creationId xmlns:a16="http://schemas.microsoft.com/office/drawing/2014/main" id="{589CA45A-96DF-F27B-C44E-30D26633054F}"/>
               </a:ext>
             </a:extLst>
           </p:cNvPr>
@@ -6083,281 +7096,67 @@
             <p:ph type="title"/>
           </p:nvPr>
         </p:nvSpPr>
-        <p:spPr/>
+        <p:spPr>
+          <a:xfrm>
+            <a:off x="1587710" y="455362"/>
+            <a:ext cx="9486690" cy="3609742"/>
+          </a:xfrm>
+        </p:spPr>
+        <p:txBody>
+          <a:bodyPr>
+            <a:normAutofit fontScale="90000"/>
+          </a:bodyPr>
+          <a:lstStyle/>
+          <a:p>
+            <a:pPr algn="ctr"/>
+            <a:br>
+              <a:rPr lang="sv-SE" sz="8800" dirty="0"/>
+            </a:br>
+            <a:br>
+              <a:rPr lang="sv-SE" sz="8800" dirty="0"/>
+            </a:br>
+            <a:r>
+              <a:rPr lang="sv-SE" sz="8800" dirty="0"/>
+              <a:t>Q&amp;A</a:t>
+            </a:r>
+            <a:endParaRPr lang="en-US" sz="8800" dirty="0"/>
+          </a:p>
+        </p:txBody>
+      </p:sp>
+      <p:sp>
+        <p:nvSpPr>
+          <p:cNvPr id="3" name="Content Placeholder 2">
+            <a:extLst>
+              <a:ext uri="{FF2B5EF4-FFF2-40B4-BE49-F238E27FC236}">
+                <a16:creationId xmlns:a16="http://schemas.microsoft.com/office/drawing/2014/main" id="{D01413E2-B684-C7D3-1FDB-C57ABEE4EF4E}"/>
+              </a:ext>
+            </a:extLst>
+          </p:cNvPr>
+          <p:cNvSpPr>
+            <a:spLocks noGrp="1"/>
+          </p:cNvSpPr>
+          <p:nvPr>
+            <p:ph idx="1"/>
+          </p:nvPr>
+        </p:nvSpPr>
+        <p:spPr>
+          <a:xfrm>
+            <a:off x="1587710" y="4721086"/>
+            <a:ext cx="9486690" cy="1365081"/>
+          </a:xfrm>
+        </p:spPr>
         <p:txBody>
           <a:bodyPr/>
           <a:lstStyle/>
           <a:p>
-            <a:r>
-              <a:rPr lang="sv-SE" dirty="0"/>
-              <a:t>Future development</a:t>
-            </a:r>
-            <a:endParaRPr lang="en-SE" dirty="0"/>
-          </a:p>
-        </p:txBody>
-      </p:sp>
-      <p:sp>
-        <p:nvSpPr>
-          <p:cNvPr id="3" name="Content Placeholder 2">
-            <a:extLst>
-              <a:ext uri="{FF2B5EF4-FFF2-40B4-BE49-F238E27FC236}">
-                <a16:creationId xmlns:a16="http://schemas.microsoft.com/office/drawing/2014/main" id="{615D73AA-4BB7-F66E-F2AA-7CDC1177E746}"/>
-              </a:ext>
-            </a:extLst>
-          </p:cNvPr>
-          <p:cNvSpPr>
-            <a:spLocks noGrp="1"/>
-          </p:cNvSpPr>
-          <p:nvPr>
-            <p:ph idx="1"/>
-          </p:nvPr>
-        </p:nvSpPr>
-        <p:spPr/>
-        <p:txBody>
-          <a:bodyPr/>
-          <a:lstStyle/>
-          <a:p>
-            <a:r>
-              <a:rPr lang="sv-SE" dirty="0"/>
-              <a:t>Our model = modular and scalable </a:t>
-            </a:r>
-          </a:p>
-          <a:p>
-            <a:pPr lvl="1"/>
-            <a:r>
-              <a:rPr lang="sv-SE" dirty="0"/>
-              <a:t>Easily scalable and applicable to other animal species*</a:t>
-            </a:r>
-          </a:p>
-          <a:p>
-            <a:pPr lvl="1"/>
-            <a:r>
-              <a:rPr lang="sv-SE" dirty="0"/>
-              <a:t>Or other industries, e.g. Finance or weather forecasting  </a:t>
-            </a:r>
-            <a:endParaRPr lang="en-SE" dirty="0"/>
-          </a:p>
-          <a:p>
-            <a:pPr marL="0" indent="0">
-              <a:buNone/>
-            </a:pPr>
-            <a:endParaRPr lang="en-SE" dirty="0"/>
+            <a:endParaRPr lang="en-US" dirty="0"/>
           </a:p>
         </p:txBody>
       </p:sp>
     </p:spTree>
     <p:extLst>
       <p:ext uri="{BB962C8B-B14F-4D97-AF65-F5344CB8AC3E}">
-        <p14:creationId xmlns:p14="http://schemas.microsoft.com/office/powerpoint/2010/main" val="291071154"/>
-      </p:ext>
-    </p:extLst>
-  </p:cSld>
-  <p:clrMapOvr>
-    <a:masterClrMapping/>
-  </p:clrMapOvr>
-</p:sld>
-</file>
-
-<file path=ppt/slides/slide7.xml><?xml version="1.0" encoding="utf-8"?>
-<p:sld xmlns:a="http://schemas.openxmlformats.org/drawingml/2006/main" xmlns:r="http://schemas.openxmlformats.org/officeDocument/2006/relationships" xmlns:p="http://schemas.openxmlformats.org/presentationml/2006/main">
-  <p:cSld>
-    <p:spTree>
-      <p:nvGrpSpPr>
-        <p:cNvPr id="1" name=""/>
-        <p:cNvGrpSpPr/>
-        <p:nvPr/>
-      </p:nvGrpSpPr>
-      <p:grpSpPr>
-        <a:xfrm>
-          <a:off x="0" y="0"/>
-          <a:ext cx="0" cy="0"/>
-          <a:chOff x="0" y="0"/>
-          <a:chExt cx="0" cy="0"/>
-        </a:xfrm>
-      </p:grpSpPr>
-      <p:sp>
-        <p:nvSpPr>
-          <p:cNvPr id="2" name="Title 1">
-            <a:extLst>
-              <a:ext uri="{FF2B5EF4-FFF2-40B4-BE49-F238E27FC236}">
-                <a16:creationId xmlns:a16="http://schemas.microsoft.com/office/drawing/2014/main" id="{563D1259-ADAD-1D65-62ED-6BC838711BA3}"/>
-              </a:ext>
-            </a:extLst>
-          </p:cNvPr>
-          <p:cNvSpPr>
-            <a:spLocks noGrp="1"/>
-          </p:cNvSpPr>
-          <p:nvPr>
-            <p:ph type="title"/>
-          </p:nvPr>
-        </p:nvSpPr>
-        <p:spPr/>
-        <p:txBody>
-          <a:bodyPr/>
-          <a:lstStyle/>
-          <a:p>
-            <a:r>
-              <a:rPr lang="sv-SE" dirty="0"/>
-              <a:t>Challenges</a:t>
-            </a:r>
-            <a:endParaRPr lang="en-SE" dirty="0"/>
-          </a:p>
-        </p:txBody>
-      </p:sp>
-      <p:sp>
-        <p:nvSpPr>
-          <p:cNvPr id="3" name="Content Placeholder 2">
-            <a:extLst>
-              <a:ext uri="{FF2B5EF4-FFF2-40B4-BE49-F238E27FC236}">
-                <a16:creationId xmlns:a16="http://schemas.microsoft.com/office/drawing/2014/main" id="{12FBE28D-2A8D-9D5C-BCB7-49B8F7D55EC8}"/>
-              </a:ext>
-            </a:extLst>
-          </p:cNvPr>
-          <p:cNvSpPr>
-            <a:spLocks noGrp="1"/>
-          </p:cNvSpPr>
-          <p:nvPr>
-            <p:ph idx="1"/>
-          </p:nvPr>
-        </p:nvSpPr>
-        <p:spPr/>
-        <p:txBody>
-          <a:bodyPr/>
-          <a:lstStyle/>
-          <a:p>
-            <a:r>
-              <a:rPr lang="sv-SE" dirty="0"/>
-              <a:t>Timeseries in dataset </a:t>
-            </a:r>
-          </a:p>
-          <a:p>
-            <a:pPr lvl="1"/>
-            <a:r>
-              <a:rPr lang="sv-SE" dirty="0"/>
-              <a:t>How to handle, explore and store the timeserie-based data</a:t>
-            </a:r>
-          </a:p>
-          <a:p>
-            <a:pPr lvl="1"/>
-            <a:r>
-              <a:rPr lang="sv-SE" dirty="0"/>
-              <a:t>Applying timeseries in machine learing models</a:t>
-            </a:r>
-          </a:p>
-          <a:p>
-            <a:r>
-              <a:rPr lang="sv-SE" dirty="0"/>
-              <a:t>Geo plots</a:t>
-            </a:r>
-          </a:p>
-        </p:txBody>
-      </p:sp>
-    </p:spTree>
-    <p:extLst>
-      <p:ext uri="{BB962C8B-B14F-4D97-AF65-F5344CB8AC3E}">
-        <p14:creationId xmlns:p14="http://schemas.microsoft.com/office/powerpoint/2010/main" val="1096769575"/>
-      </p:ext>
-    </p:extLst>
-  </p:cSld>
-  <p:clrMapOvr>
-    <a:masterClrMapping/>
-  </p:clrMapOvr>
-</p:sld>
-</file>
-
-<file path=ppt/slides/slide8.xml><?xml version="1.0" encoding="utf-8"?>
-<p:sld xmlns:a="http://schemas.openxmlformats.org/drawingml/2006/main" xmlns:r="http://schemas.openxmlformats.org/officeDocument/2006/relationships" xmlns:p="http://schemas.openxmlformats.org/presentationml/2006/main">
-  <p:cSld>
-    <p:spTree>
-      <p:nvGrpSpPr>
-        <p:cNvPr id="1" name=""/>
-        <p:cNvGrpSpPr/>
-        <p:nvPr/>
-      </p:nvGrpSpPr>
-      <p:grpSpPr>
-        <a:xfrm>
-          <a:off x="0" y="0"/>
-          <a:ext cx="0" cy="0"/>
-          <a:chOff x="0" y="0"/>
-          <a:chExt cx="0" cy="0"/>
-        </a:xfrm>
-      </p:grpSpPr>
-      <p:sp>
-        <p:nvSpPr>
-          <p:cNvPr id="2" name="Title 1">
-            <a:extLst>
-              <a:ext uri="{FF2B5EF4-FFF2-40B4-BE49-F238E27FC236}">
-                <a16:creationId xmlns:a16="http://schemas.microsoft.com/office/drawing/2014/main" id="{ECE0B106-7389-1A90-1503-24214D1A43E5}"/>
-              </a:ext>
-            </a:extLst>
-          </p:cNvPr>
-          <p:cNvSpPr>
-            <a:spLocks noGrp="1"/>
-          </p:cNvSpPr>
-          <p:nvPr>
-            <p:ph type="title"/>
-          </p:nvPr>
-        </p:nvSpPr>
-        <p:spPr/>
-        <p:txBody>
-          <a:bodyPr/>
-          <a:lstStyle/>
-          <a:p>
-            <a:r>
-              <a:rPr lang="sv-SE" dirty="0"/>
-              <a:t>Group preformance</a:t>
-            </a:r>
-            <a:endParaRPr lang="en-SE" dirty="0"/>
-          </a:p>
-        </p:txBody>
-      </p:sp>
-      <p:sp>
-        <p:nvSpPr>
-          <p:cNvPr id="3" name="Content Placeholder 2">
-            <a:extLst>
-              <a:ext uri="{FF2B5EF4-FFF2-40B4-BE49-F238E27FC236}">
-                <a16:creationId xmlns:a16="http://schemas.microsoft.com/office/drawing/2014/main" id="{1934E28E-610B-A486-B7A4-48872AFDB49D}"/>
-              </a:ext>
-            </a:extLst>
-          </p:cNvPr>
-          <p:cNvSpPr>
-            <a:spLocks noGrp="1"/>
-          </p:cNvSpPr>
-          <p:nvPr>
-            <p:ph idx="1"/>
-          </p:nvPr>
-        </p:nvSpPr>
-        <p:spPr/>
-        <p:txBody>
-          <a:bodyPr/>
-          <a:lstStyle/>
-          <a:p>
-            <a:r>
-              <a:rPr lang="sv-SE" dirty="0"/>
-              <a:t>Agile </a:t>
-            </a:r>
-          </a:p>
-          <a:p>
-            <a:pPr lvl="1"/>
-            <a:r>
-              <a:rPr lang="sv-SE" dirty="0"/>
-              <a:t>Plan from the beginning, identify requirements and needs (must have vs. nice to have)</a:t>
-            </a:r>
-          </a:p>
-          <a:p>
-            <a:pPr lvl="1"/>
-            <a:r>
-              <a:rPr lang="sv-SE" dirty="0"/>
-              <a:t>Re-prioritize tasks and goals</a:t>
-            </a:r>
-            <a:endParaRPr lang="en-SE" dirty="0"/>
-          </a:p>
-        </p:txBody>
-      </p:sp>
-    </p:spTree>
-    <p:extLst>
-      <p:ext uri="{BB962C8B-B14F-4D97-AF65-F5344CB8AC3E}">
-        <p14:creationId xmlns:p14="http://schemas.microsoft.com/office/powerpoint/2010/main" val="1052880751"/>
+        <p14:creationId xmlns:p14="http://schemas.microsoft.com/office/powerpoint/2010/main" val="2574841985"/>
       </p:ext>
     </p:extLst>
   </p:cSld>
@@ -6566,4 +7365,299 @@
     </a:ext>
   </a:extLst>
 </a:theme>
+</file>
+
+<file path=ppt/theme/theme2.xml><?xml version="1.0" encoding="utf-8"?>
+<a:theme xmlns:a="http://schemas.openxmlformats.org/drawingml/2006/main" name="Office Theme">
+  <a:themeElements>
+    <a:clrScheme name="Office">
+      <a:dk1>
+        <a:sysClr val="windowText" lastClr="000000"/>
+      </a:dk1>
+      <a:lt1>
+        <a:sysClr val="window" lastClr="FFFFFF"/>
+      </a:lt1>
+      <a:dk2>
+        <a:srgbClr val="44546A"/>
+      </a:dk2>
+      <a:lt2>
+        <a:srgbClr val="E7E6E6"/>
+      </a:lt2>
+      <a:accent1>
+        <a:srgbClr val="4472C4"/>
+      </a:accent1>
+      <a:accent2>
+        <a:srgbClr val="ED7D31"/>
+      </a:accent2>
+      <a:accent3>
+        <a:srgbClr val="A5A5A5"/>
+      </a:accent3>
+      <a:accent4>
+        <a:srgbClr val="FFC000"/>
+      </a:accent4>
+      <a:accent5>
+        <a:srgbClr val="5B9BD5"/>
+      </a:accent5>
+      <a:accent6>
+        <a:srgbClr val="70AD47"/>
+      </a:accent6>
+      <a:hlink>
+        <a:srgbClr val="0563C1"/>
+      </a:hlink>
+      <a:folHlink>
+        <a:srgbClr val="954F72"/>
+      </a:folHlink>
+    </a:clrScheme>
+    <a:fontScheme name="Office">
+      <a:majorFont>
+        <a:latin typeface="Calibri Light" panose="020F0302020204030204"/>
+        <a:ea typeface=""/>
+        <a:cs typeface=""/>
+        <a:font script="Jpan" typeface="游ゴシック Light"/>
+        <a:font script="Hang" typeface="맑은 고딕"/>
+        <a:font script="Hans" typeface="等线 Light"/>
+        <a:font script="Hant" typeface="新細明體"/>
+        <a:font script="Arab" typeface="Times New Roman"/>
+        <a:font script="Hebr" typeface="Times New Roman"/>
+        <a:font script="Thai" typeface="Angsana New"/>
+        <a:font script="Ethi" typeface="Nyala"/>
+        <a:font script="Beng" typeface="Vrinda"/>
+        <a:font script="Gujr" typeface="Shruti"/>
+        <a:font script="Khmr" typeface="MoolBoran"/>
+        <a:font script="Knda" typeface="Tunga"/>
+        <a:font script="Guru" typeface="Raavi"/>
+        <a:font script="Cans" typeface="Euphemia"/>
+        <a:font script="Cher" typeface="Plantagenet Cherokee"/>
+        <a:font script="Yiii" typeface="Microsoft Yi Baiti"/>
+        <a:font script="Tibt" typeface="Microsoft Himalaya"/>
+        <a:font script="Thaa" typeface="MV Boli"/>
+        <a:font script="Deva" typeface="Mangal"/>
+        <a:font script="Telu" typeface="Gautami"/>
+        <a:font script="Taml" typeface="Latha"/>
+        <a:font script="Syrc" typeface="Estrangelo Edessa"/>
+        <a:font script="Orya" typeface="Kalinga"/>
+        <a:font script="Mlym" typeface="Kartika"/>
+        <a:font script="Laoo" typeface="DokChampa"/>
+        <a:font script="Sinh" typeface="Iskoola Pota"/>
+        <a:font script="Mong" typeface="Mongolian Baiti"/>
+        <a:font script="Viet" typeface="Times New Roman"/>
+        <a:font script="Uigh" typeface="Microsoft Uighur"/>
+        <a:font script="Geor" typeface="Sylfaen"/>
+        <a:font script="Armn" typeface="Arial"/>
+        <a:font script="Bugi" typeface="Leelawadee UI"/>
+        <a:font script="Bopo" typeface="Microsoft JhengHei"/>
+        <a:font script="Java" typeface="Javanese Text"/>
+        <a:font script="Lisu" typeface="Segoe UI"/>
+        <a:font script="Mymr" typeface="Myanmar Text"/>
+        <a:font script="Nkoo" typeface="Ebrima"/>
+        <a:font script="Olck" typeface="Nirmala UI"/>
+        <a:font script="Osma" typeface="Ebrima"/>
+        <a:font script="Phag" typeface="Phagspa"/>
+        <a:font script="Syrn" typeface="Estrangelo Edessa"/>
+        <a:font script="Syrj" typeface="Estrangelo Edessa"/>
+        <a:font script="Syre" typeface="Estrangelo Edessa"/>
+        <a:font script="Sora" typeface="Nirmala UI"/>
+        <a:font script="Tale" typeface="Microsoft Tai Le"/>
+        <a:font script="Talu" typeface="Microsoft New Tai Lue"/>
+        <a:font script="Tfng" typeface="Ebrima"/>
+      </a:majorFont>
+      <a:minorFont>
+        <a:latin typeface="Calibri" panose="020F0502020204030204"/>
+        <a:ea typeface=""/>
+        <a:cs typeface=""/>
+        <a:font script="Jpan" typeface="游ゴシック"/>
+        <a:font script="Hang" typeface="맑은 고딕"/>
+        <a:font script="Hans" typeface="等线"/>
+        <a:font script="Hant" typeface="新細明體"/>
+        <a:font script="Arab" typeface="Arial"/>
+        <a:font script="Hebr" typeface="Arial"/>
+        <a:font script="Thai" typeface="Cordia New"/>
+        <a:font script="Ethi" typeface="Nyala"/>
+        <a:font script="Beng" typeface="Vrinda"/>
+        <a:font script="Gujr" typeface="Shruti"/>
+        <a:font script="Khmr" typeface="DaunPenh"/>
+        <a:font script="Knda" typeface="Tunga"/>
+        <a:font script="Guru" typeface="Raavi"/>
+        <a:font script="Cans" typeface="Euphemia"/>
+        <a:font script="Cher" typeface="Plantagenet Cherokee"/>
+        <a:font script="Yiii" typeface="Microsoft Yi Baiti"/>
+        <a:font script="Tibt" typeface="Microsoft Himalaya"/>
+        <a:font script="Thaa" typeface="MV Boli"/>
+        <a:font script="Deva" typeface="Mangal"/>
+        <a:font script="Telu" typeface="Gautami"/>
+        <a:font script="Taml" typeface="Latha"/>
+        <a:font script="Syrc" typeface="Estrangelo Edessa"/>
+        <a:font script="Orya" typeface="Kalinga"/>
+        <a:font script="Mlym" typeface="Kartika"/>
+        <a:font script="Laoo" typeface="DokChampa"/>
+        <a:font script="Sinh" typeface="Iskoola Pota"/>
+        <a:font script="Mong" typeface="Mongolian Baiti"/>
+        <a:font script="Viet" typeface="Arial"/>
+        <a:font script="Uigh" typeface="Microsoft Uighur"/>
+        <a:font script="Geor" typeface="Sylfaen"/>
+        <a:font script="Armn" typeface="Arial"/>
+        <a:font script="Bugi" typeface="Leelawadee UI"/>
+        <a:font script="Bopo" typeface="Microsoft JhengHei"/>
+        <a:font script="Java" typeface="Javanese Text"/>
+        <a:font script="Lisu" typeface="Segoe UI"/>
+        <a:font script="Mymr" typeface="Myanmar Text"/>
+        <a:font script="Nkoo" typeface="Ebrima"/>
+        <a:font script="Olck" typeface="Nirmala UI"/>
+        <a:font script="Osma" typeface="Ebrima"/>
+        <a:font script="Phag" typeface="Phagspa"/>
+        <a:font script="Syrn" typeface="Estrangelo Edessa"/>
+        <a:font script="Syrj" typeface="Estrangelo Edessa"/>
+        <a:font script="Syre" typeface="Estrangelo Edessa"/>
+        <a:font script="Sora" typeface="Nirmala UI"/>
+        <a:font script="Tale" typeface="Microsoft Tai Le"/>
+        <a:font script="Talu" typeface="Microsoft New Tai Lue"/>
+        <a:font script="Tfng" typeface="Ebrima"/>
+      </a:minorFont>
+    </a:fontScheme>
+    <a:fmtScheme name="Office">
+      <a:fillStyleLst>
+        <a:solidFill>
+          <a:schemeClr val="phClr"/>
+        </a:solidFill>
+        <a:gradFill rotWithShape="1">
+          <a:gsLst>
+            <a:gs pos="0">
+              <a:schemeClr val="phClr">
+                <a:lumMod val="110000"/>
+                <a:satMod val="105000"/>
+                <a:tint val="67000"/>
+              </a:schemeClr>
+            </a:gs>
+            <a:gs pos="50000">
+              <a:schemeClr val="phClr">
+                <a:lumMod val="105000"/>
+                <a:satMod val="103000"/>
+                <a:tint val="73000"/>
+              </a:schemeClr>
+            </a:gs>
+            <a:gs pos="100000">
+              <a:schemeClr val="phClr">
+                <a:lumMod val="105000"/>
+                <a:satMod val="109000"/>
+                <a:tint val="81000"/>
+              </a:schemeClr>
+            </a:gs>
+          </a:gsLst>
+          <a:lin ang="5400000" scaled="0"/>
+        </a:gradFill>
+        <a:gradFill rotWithShape="1">
+          <a:gsLst>
+            <a:gs pos="0">
+              <a:schemeClr val="phClr">
+                <a:satMod val="103000"/>
+                <a:lumMod val="102000"/>
+                <a:tint val="94000"/>
+              </a:schemeClr>
+            </a:gs>
+            <a:gs pos="50000">
+              <a:schemeClr val="phClr">
+                <a:satMod val="110000"/>
+                <a:lumMod val="100000"/>
+                <a:shade val="100000"/>
+              </a:schemeClr>
+            </a:gs>
+            <a:gs pos="100000">
+              <a:schemeClr val="phClr">
+                <a:lumMod val="99000"/>
+                <a:satMod val="120000"/>
+                <a:shade val="78000"/>
+              </a:schemeClr>
+            </a:gs>
+          </a:gsLst>
+          <a:lin ang="5400000" scaled="0"/>
+        </a:gradFill>
+      </a:fillStyleLst>
+      <a:lnStyleLst>
+        <a:ln w="6350" cap="flat" cmpd="sng" algn="ctr">
+          <a:solidFill>
+            <a:schemeClr val="phClr"/>
+          </a:solidFill>
+          <a:prstDash val="solid"/>
+          <a:miter lim="800000"/>
+        </a:ln>
+        <a:ln w="12700" cap="flat" cmpd="sng" algn="ctr">
+          <a:solidFill>
+            <a:schemeClr val="phClr"/>
+          </a:solidFill>
+          <a:prstDash val="solid"/>
+          <a:miter lim="800000"/>
+        </a:ln>
+        <a:ln w="19050" cap="flat" cmpd="sng" algn="ctr">
+          <a:solidFill>
+            <a:schemeClr val="phClr"/>
+          </a:solidFill>
+          <a:prstDash val="solid"/>
+          <a:miter lim="800000"/>
+        </a:ln>
+      </a:lnStyleLst>
+      <a:effectStyleLst>
+        <a:effectStyle>
+          <a:effectLst/>
+        </a:effectStyle>
+        <a:effectStyle>
+          <a:effectLst/>
+        </a:effectStyle>
+        <a:effectStyle>
+          <a:effectLst>
+            <a:outerShdw blurRad="57150" dist="19050" dir="5400000" algn="ctr" rotWithShape="0">
+              <a:srgbClr val="000000">
+                <a:alpha val="63000"/>
+              </a:srgbClr>
+            </a:outerShdw>
+          </a:effectLst>
+        </a:effectStyle>
+      </a:effectStyleLst>
+      <a:bgFillStyleLst>
+        <a:solidFill>
+          <a:schemeClr val="phClr"/>
+        </a:solidFill>
+        <a:solidFill>
+          <a:schemeClr val="phClr">
+            <a:tint val="95000"/>
+            <a:satMod val="170000"/>
+          </a:schemeClr>
+        </a:solidFill>
+        <a:gradFill rotWithShape="1">
+          <a:gsLst>
+            <a:gs pos="0">
+              <a:schemeClr val="phClr">
+                <a:tint val="93000"/>
+                <a:satMod val="150000"/>
+                <a:shade val="98000"/>
+                <a:lumMod val="102000"/>
+              </a:schemeClr>
+            </a:gs>
+            <a:gs pos="50000">
+              <a:schemeClr val="phClr">
+                <a:tint val="98000"/>
+                <a:satMod val="130000"/>
+                <a:shade val="90000"/>
+                <a:lumMod val="103000"/>
+              </a:schemeClr>
+            </a:gs>
+            <a:gs pos="100000">
+              <a:schemeClr val="phClr">
+                <a:shade val="63000"/>
+                <a:satMod val="120000"/>
+              </a:schemeClr>
+            </a:gs>
+          </a:gsLst>
+          <a:lin ang="5400000" scaled="0"/>
+        </a:gradFill>
+      </a:bgFillStyleLst>
+    </a:fmtScheme>
+  </a:themeElements>
+  <a:objectDefaults/>
+  <a:extraClrSchemeLst/>
+  <a:extLst>
+    <a:ext uri="{05A4C25C-085E-4340-85A3-A5531E510DB2}">
+      <thm15:themeFamily xmlns:thm15="http://schemas.microsoft.com/office/thememl/2012/main" name="Office Theme" id="{62F939B6-93AF-4DB8-9C6B-D6C7DFDC589F}" vid="{4A3C46E8-61CC-4603-A589-7422A47A8E4A}"/>
+    </a:ext>
+  </a:extLst>
+</a:theme>
 </file>
--- a/pitch.pptx
+++ b/pitch.pptx
@@ -202,7 +202,7 @@
           <a:p>
             <a:fld id="{A3B00E5F-12AC-41EC-9CA6-56A9F9561EFD}" type="datetimeFigureOut">
               <a:rPr lang="en-US" smtClean="0"/>
-              <a:t>2/13/2023</a:t>
+              <a:t>2/14/2023</a:t>
             </a:fld>
             <a:endParaRPr lang="en-US"/>
           </a:p>
@@ -513,60 +513,6 @@
           <a:bodyPr/>
           <a:lstStyle/>
           <a:p>
-            <a:r>
-              <a:rPr lang="sv-SE" dirty="0"/>
-              <a:t>Target </a:t>
-            </a:r>
-            <a:r>
-              <a:rPr lang="sv-SE" dirty="0" err="1"/>
-              <a:t>group</a:t>
-            </a:r>
-            <a:r>
-              <a:rPr lang="sv-SE" dirty="0"/>
-              <a:t>: </a:t>
-            </a:r>
-          </a:p>
-          <a:p>
-            <a:r>
-              <a:rPr lang="sv-SE" dirty="0"/>
-              <a:t>Animal </a:t>
-            </a:r>
-            <a:r>
-              <a:rPr lang="sv-SE" dirty="0" err="1"/>
-              <a:t>protection</a:t>
-            </a:r>
-            <a:r>
-              <a:rPr lang="sv-SE" dirty="0"/>
-              <a:t> services/</a:t>
-            </a:r>
-            <a:r>
-              <a:rPr lang="sv-SE" dirty="0" err="1"/>
-              <a:t>organizations</a:t>
-            </a:r>
-            <a:r>
-              <a:rPr lang="sv-SE" dirty="0"/>
-              <a:t>, i.e. WWF</a:t>
-            </a:r>
-          </a:p>
-          <a:p>
-            <a:r>
-              <a:rPr lang="sv-SE" dirty="0" err="1"/>
-              <a:t>Tourism</a:t>
-            </a:r>
-            <a:r>
-              <a:rPr lang="sv-SE" dirty="0"/>
-              <a:t> </a:t>
-            </a:r>
-            <a:r>
-              <a:rPr lang="sv-SE" dirty="0" err="1"/>
-              <a:t>industry</a:t>
-            </a:r>
-            <a:r>
-              <a:rPr lang="sv-SE" dirty="0"/>
-              <a:t>, i.e. Safari expeditions</a:t>
-            </a:r>
-          </a:p>
-          <a:p>
             <a:endParaRPr lang="en-US" dirty="0"/>
           </a:p>
         </p:txBody>
@@ -588,7 +534,7 @@
           <a:p>
             <a:fld id="{51332DEE-88BD-4AB3-9189-9926C6A8F862}" type="slidenum">
               <a:rPr lang="en-US" smtClean="0"/>
-              <a:t>2</a:t>
+              <a:t>1</a:t>
             </a:fld>
             <a:endParaRPr lang="en-US"/>
           </a:p>
@@ -597,7 +543,7 @@
     </p:spTree>
     <p:extLst>
       <p:ext uri="{BB962C8B-B14F-4D97-AF65-F5344CB8AC3E}">
-        <p14:creationId xmlns:p14="http://schemas.microsoft.com/office/powerpoint/2010/main" val="1566446357"/>
+        <p14:creationId xmlns:p14="http://schemas.microsoft.com/office/powerpoint/2010/main" val="1620897465"/>
       </p:ext>
     </p:extLst>
   </p:cSld>
@@ -651,6 +597,144 @@
           <a:bodyPr/>
           <a:lstStyle/>
           <a:p>
+            <a:r>
+              <a:rPr lang="sv-SE" dirty="0"/>
+              <a:t>Target </a:t>
+            </a:r>
+            <a:r>
+              <a:rPr lang="sv-SE" dirty="0" err="1"/>
+              <a:t>group</a:t>
+            </a:r>
+            <a:r>
+              <a:rPr lang="sv-SE" dirty="0"/>
+              <a:t>: </a:t>
+            </a:r>
+          </a:p>
+          <a:p>
+            <a:r>
+              <a:rPr lang="sv-SE" dirty="0"/>
+              <a:t>Animal </a:t>
+            </a:r>
+            <a:r>
+              <a:rPr lang="sv-SE" dirty="0" err="1"/>
+              <a:t>protection</a:t>
+            </a:r>
+            <a:r>
+              <a:rPr lang="sv-SE" dirty="0"/>
+              <a:t> services/</a:t>
+            </a:r>
+            <a:r>
+              <a:rPr lang="sv-SE" dirty="0" err="1"/>
+              <a:t>organizations</a:t>
+            </a:r>
+            <a:r>
+              <a:rPr lang="sv-SE" dirty="0"/>
+              <a:t>, i.e. WWF</a:t>
+            </a:r>
+          </a:p>
+          <a:p>
+            <a:r>
+              <a:rPr lang="sv-SE" dirty="0" err="1"/>
+              <a:t>Tourism</a:t>
+            </a:r>
+            <a:r>
+              <a:rPr lang="sv-SE" dirty="0"/>
+              <a:t> </a:t>
+            </a:r>
+            <a:r>
+              <a:rPr lang="sv-SE" dirty="0" err="1"/>
+              <a:t>industry</a:t>
+            </a:r>
+            <a:r>
+              <a:rPr lang="sv-SE" dirty="0"/>
+              <a:t>, i.e. Safari expeditions</a:t>
+            </a:r>
+          </a:p>
+          <a:p>
+            <a:endParaRPr lang="en-US" dirty="0"/>
+          </a:p>
+        </p:txBody>
+      </p:sp>
+      <p:sp>
+        <p:nvSpPr>
+          <p:cNvPr id="4" name="Slide Number Placeholder 3"/>
+          <p:cNvSpPr>
+            <a:spLocks noGrp="1"/>
+          </p:cNvSpPr>
+          <p:nvPr>
+            <p:ph type="sldNum" sz="quarter" idx="5"/>
+          </p:nvPr>
+        </p:nvSpPr>
+        <p:spPr/>
+        <p:txBody>
+          <a:bodyPr/>
+          <a:lstStyle/>
+          <a:p>
+            <a:fld id="{51332DEE-88BD-4AB3-9189-9926C6A8F862}" type="slidenum">
+              <a:rPr lang="en-US" smtClean="0"/>
+              <a:t>2</a:t>
+            </a:fld>
+            <a:endParaRPr lang="en-US"/>
+          </a:p>
+        </p:txBody>
+      </p:sp>
+    </p:spTree>
+    <p:extLst>
+      <p:ext uri="{BB962C8B-B14F-4D97-AF65-F5344CB8AC3E}">
+        <p14:creationId xmlns:p14="http://schemas.microsoft.com/office/powerpoint/2010/main" val="1566446357"/>
+      </p:ext>
+    </p:extLst>
+  </p:cSld>
+  <p:clrMapOvr>
+    <a:masterClrMapping/>
+  </p:clrMapOvr>
+</p:notes>
+</file>
+
+<file path=ppt/notesSlides/notesSlide3.xml><?xml version="1.0" encoding="utf-8"?>
+<p:notes xmlns:a="http://schemas.openxmlformats.org/drawingml/2006/main" xmlns:r="http://schemas.openxmlformats.org/officeDocument/2006/relationships" xmlns:p="http://schemas.openxmlformats.org/presentationml/2006/main">
+  <p:cSld>
+    <p:spTree>
+      <p:nvGrpSpPr>
+        <p:cNvPr id="1" name=""/>
+        <p:cNvGrpSpPr/>
+        <p:nvPr/>
+      </p:nvGrpSpPr>
+      <p:grpSpPr>
+        <a:xfrm>
+          <a:off x="0" y="0"/>
+          <a:ext cx="0" cy="0"/>
+          <a:chOff x="0" y="0"/>
+          <a:chExt cx="0" cy="0"/>
+        </a:xfrm>
+      </p:grpSpPr>
+      <p:sp>
+        <p:nvSpPr>
+          <p:cNvPr id="2" name="Slide Image Placeholder 1"/>
+          <p:cNvSpPr>
+            <a:spLocks noGrp="1" noRot="1" noChangeAspect="1"/>
+          </p:cNvSpPr>
+          <p:nvPr>
+            <p:ph type="sldImg"/>
+          </p:nvPr>
+        </p:nvSpPr>
+        <p:spPr/>
+      </p:sp>
+      <p:sp>
+        <p:nvSpPr>
+          <p:cNvPr id="3" name="Notes Placeholder 2"/>
+          <p:cNvSpPr>
+            <a:spLocks noGrp="1"/>
+          </p:cNvSpPr>
+          <p:nvPr>
+            <p:ph type="body" idx="1"/>
+          </p:nvPr>
+        </p:nvSpPr>
+        <p:spPr/>
+        <p:txBody>
+          <a:bodyPr/>
+          <a:lstStyle/>
+          <a:p>
             <a:pPr lvl="1"/>
             <a:r>
               <a:rPr lang="sv-SE" dirty="0"/>
@@ -844,7 +928,7 @@
 </p:notes>
 </file>
 
-<file path=ppt/notesSlides/notesSlide3.xml><?xml version="1.0" encoding="utf-8"?>
+<file path=ppt/notesSlides/notesSlide4.xml><?xml version="1.0" encoding="utf-8"?>
 <p:notes xmlns:a="http://schemas.openxmlformats.org/drawingml/2006/main" xmlns:r="http://schemas.openxmlformats.org/officeDocument/2006/relationships" xmlns:p="http://schemas.openxmlformats.org/presentationml/2006/main">
   <p:cSld>
     <p:spTree>
@@ -1315,7 +1399,7 @@
             <a:fld id="{1449AA12-8195-4182-A7AC-2E7E59DFBDAF}" type="datetimeFigureOut">
               <a:rPr lang="en-US" smtClean="0"/>
               <a:pPr algn="r"/>
-              <a:t>2/13/2023</a:t>
+              <a:t>2/14/2023</a:t>
             </a:fld>
             <a:endParaRPr lang="en-US"/>
           </a:p>
@@ -1531,7 +1615,7 @@
           <a:p>
             <a:fld id="{1449AA12-8195-4182-A7AC-2E7E59DFBDAF}" type="datetimeFigureOut">
               <a:rPr lang="en-US" smtClean="0"/>
-              <a:t>2/13/2023</a:t>
+              <a:t>2/14/2023</a:t>
             </a:fld>
             <a:endParaRPr lang="en-US"/>
           </a:p>
@@ -1903,7 +1987,7 @@
           <a:p>
             <a:fld id="{1449AA12-8195-4182-A7AC-2E7E59DFBDAF}" type="datetimeFigureOut">
               <a:rPr lang="en-US" smtClean="0"/>
-              <a:t>2/13/2023</a:t>
+              <a:t>2/14/2023</a:t>
             </a:fld>
             <a:endParaRPr lang="en-US"/>
           </a:p>
@@ -2265,7 +2349,7 @@
           <a:p>
             <a:fld id="{1449AA12-8195-4182-A7AC-2E7E59DFBDAF}" type="datetimeFigureOut">
               <a:rPr lang="en-US" smtClean="0"/>
-              <a:t>2/13/2023</a:t>
+              <a:t>2/14/2023</a:t>
             </a:fld>
             <a:endParaRPr lang="en-US"/>
           </a:p>
@@ -2705,7 +2789,7 @@
           <a:p>
             <a:fld id="{1449AA12-8195-4182-A7AC-2E7E59DFBDAF}" type="datetimeFigureOut">
               <a:rPr lang="en-US" smtClean="0"/>
-              <a:t>2/13/2023</a:t>
+              <a:t>2/14/2023</a:t>
             </a:fld>
             <a:endParaRPr lang="en-US"/>
           </a:p>
@@ -3145,7 +3229,7 @@
           <a:p>
             <a:fld id="{1449AA12-8195-4182-A7AC-2E7E59DFBDAF}" type="datetimeFigureOut">
               <a:rPr lang="en-US" smtClean="0"/>
-              <a:t>2/13/2023</a:t>
+              <a:t>2/14/2023</a:t>
             </a:fld>
             <a:endParaRPr lang="en-US"/>
           </a:p>
@@ -3753,7 +3837,7 @@
           <a:p>
             <a:fld id="{1449AA12-8195-4182-A7AC-2E7E59DFBDAF}" type="datetimeFigureOut">
               <a:rPr lang="en-US" smtClean="0"/>
-              <a:t>2/13/2023</a:t>
+              <a:t>2/14/2023</a:t>
             </a:fld>
             <a:endParaRPr lang="en-US"/>
           </a:p>
@@ -4058,7 +4142,7 @@
           <a:p>
             <a:fld id="{1449AA12-8195-4182-A7AC-2E7E59DFBDAF}" type="datetimeFigureOut">
               <a:rPr lang="en-US" smtClean="0"/>
-              <a:t>2/13/2023</a:t>
+              <a:t>2/14/2023</a:t>
             </a:fld>
             <a:endParaRPr lang="en-US"/>
           </a:p>
@@ -4335,7 +4419,7 @@
           <a:p>
             <a:fld id="{1449AA12-8195-4182-A7AC-2E7E59DFBDAF}" type="datetimeFigureOut">
               <a:rPr lang="en-US" smtClean="0"/>
-              <a:t>2/13/2023</a:t>
+              <a:t>2/14/2023</a:t>
             </a:fld>
             <a:endParaRPr lang="en-US"/>
           </a:p>
@@ -4812,7 +4896,7 @@
           <a:p>
             <a:fld id="{1449AA12-8195-4182-A7AC-2E7E59DFBDAF}" type="datetimeFigureOut">
               <a:rPr lang="en-US" smtClean="0"/>
-              <a:t>2/13/2023</a:t>
+              <a:t>2/14/2023</a:t>
             </a:fld>
             <a:endParaRPr lang="en-US"/>
           </a:p>
@@ -5267,7 +5351,7 @@
           <a:p>
             <a:fld id="{1449AA12-8195-4182-A7AC-2E7E59DFBDAF}" type="datetimeFigureOut">
               <a:rPr lang="en-US" smtClean="0"/>
-              <a:t>2/13/2023</a:t>
+              <a:t>2/14/2023</a:t>
             </a:fld>
             <a:endParaRPr lang="en-US"/>
           </a:p>
@@ -5673,7 +5757,7 @@
             <a:fld id="{1449AA12-8195-4182-A7AC-2E7E59DFBDAF}" type="datetimeFigureOut">
               <a:rPr lang="en-US" smtClean="0"/>
               <a:pPr/>
-              <a:t>2/13/2023</a:t>
+              <a:t>2/14/2023</a:t>
             </a:fld>
             <a:endParaRPr lang="en-US"/>
           </a:p>
@@ -6240,7 +6324,15 @@
           <a:p>
             <a:r>
               <a:rPr lang="sv-SE" dirty="0"/>
-              <a:t>Aka. Project pink elephants </a:t>
+              <a:t>Project Pink </a:t>
+            </a:r>
+            <a:r>
+              <a:rPr lang="sv-SE" dirty="0" err="1"/>
+              <a:t>Elephants</a:t>
+            </a:r>
+            <a:r>
+              <a:rPr lang="sv-SE" dirty="0"/>
+              <a:t> </a:t>
             </a:r>
           </a:p>
           <a:p>
@@ -6273,7 +6365,7 @@
           <p:nvPr/>
         </p:nvPicPr>
         <p:blipFill rotWithShape="1">
-          <a:blip r:embed="rId2"/>
+          <a:blip r:embed="rId3"/>
           <a:srcRect l="18647" r="7417" b="-1"/>
           <a:stretch/>
         </p:blipFill>
@@ -6473,6 +6565,108 @@
           </a:p>
         </p:txBody>
       </p:sp>
+      <p:pic>
+        <p:nvPicPr>
+          <p:cNvPr id="7" name="Picture 6" descr="yes&#10;">
+            <a:extLst>
+              <a:ext uri="{FF2B5EF4-FFF2-40B4-BE49-F238E27FC236}">
+                <a16:creationId xmlns:a16="http://schemas.microsoft.com/office/drawing/2014/main" id="{8A49F256-2372-8938-7249-041DF5BDED3E}"/>
+              </a:ext>
+            </a:extLst>
+          </p:cNvPr>
+          <p:cNvPicPr>
+            <a:picLocks noChangeAspect="1"/>
+          </p:cNvPicPr>
+          <p:nvPr/>
+        </p:nvPicPr>
+        <p:blipFill>
+          <a:blip r:embed="rId4">
+            <a:extLst>
+              <a:ext uri="{BEBA8EAE-BF5A-486C-A8C5-ECC9F3942E4B}">
+                <a14:imgProps xmlns:a14="http://schemas.microsoft.com/office/drawing/2010/main">
+                  <a14:imgLayer r:embed="rId5">
+                    <a14:imgEffect>
+                      <a14:backgroundRemoval t="3989" b="97340" l="1161" r="97679">
+                        <a14:foregroundMark x1="5029" y1="41489" x2="4836" y2="43617"/>
+                        <a14:foregroundMark x1="29787" y1="9574" x2="41586" y2="5319"/>
+                        <a14:foregroundMark x1="41586" y1="5319" x2="44101" y2="7181"/>
+                        <a14:foregroundMark x1="32495" y1="6117" x2="18956" y2="9574"/>
+                        <a14:foregroundMark x1="18956" y1="9574" x2="4449" y2="31649"/>
+                        <a14:foregroundMark x1="4449" y1="31649" x2="3675" y2="35638"/>
+                        <a14:foregroundMark x1="1161" y1="47340" x2="1161" y2="47340"/>
+                        <a14:foregroundMark x1="1354" y1="48936" x2="1354" y2="48936"/>
+                        <a14:foregroundMark x1="1354" y1="48936" x2="6770" y2="47340"/>
+                        <a14:foregroundMark x1="9091" y1="51330" x2="15861" y2="65691"/>
+                        <a14:foregroundMark x1="15861" y1="65691" x2="14507" y2="80851"/>
+                        <a14:foregroundMark x1="14507" y1="80851" x2="16248" y2="95213"/>
+                        <a14:foregroundMark x1="16248" y1="95213" x2="27466" y2="97872"/>
+                        <a14:foregroundMark x1="27466" y1="97872" x2="21470" y2="85904"/>
+                        <a14:foregroundMark x1="21470" y1="85904" x2="15280" y2="85904"/>
+                        <a14:foregroundMark x1="28046" y1="97606" x2="33462" y2="84309"/>
+                        <a14:foregroundMark x1="33462" y1="84309" x2="32108" y2="72606"/>
+                        <a14:foregroundMark x1="37718" y1="73936" x2="48549" y2="74734"/>
+                        <a14:foregroundMark x1="53688" y1="5234" x2="69052" y2="2926"/>
+                        <a14:foregroundMark x1="46035" y1="6383" x2="50414" y2="5725"/>
+                        <a14:foregroundMark x1="69052" y1="2926" x2="89555" y2="11436"/>
+                        <a14:foregroundMark x1="89555" y1="11436" x2="95358" y2="27394"/>
+                        <a14:foregroundMark x1="95358" y1="27394" x2="96132" y2="37500"/>
+                        <a14:foregroundMark x1="50870" y1="18085" x2="57447" y2="45213"/>
+                        <a14:foregroundMark x1="57447" y1="45213" x2="67505" y2="45745"/>
+                        <a14:foregroundMark x1="67505" y1="45745" x2="71760" y2="44681"/>
+                        <a14:foregroundMark x1="97679" y1="40691" x2="95164" y2="57979"/>
+                        <a14:foregroundMark x1="83153" y1="79521" x2="81818" y2="81915"/>
+                        <a14:foregroundMark x1="83301" y1="79255" x2="83153" y2="79521"/>
+                        <a14:foregroundMark x1="83467" y1="78958" x2="83301" y2="79255"/>
+                        <a14:foregroundMark x1="95164" y1="57979" x2="86010" y2="74397"/>
+                        <a14:foregroundMark x1="82585" y1="83272" x2="83172" y2="84309"/>
+                        <a14:foregroundMark x1="82214" y1="82616" x2="82557" y2="83222"/>
+                        <a14:foregroundMark x1="81818" y1="81915" x2="82104" y2="82421"/>
+                        <a14:foregroundMark x1="84333" y1="84043" x2="75242" y2="91223"/>
+                        <a14:foregroundMark x1="75242" y1="91223" x2="72340" y2="76596"/>
+                        <a14:foregroundMark x1="72340" y1="76596" x2="75435" y2="71277"/>
+                        <a14:foregroundMark x1="77950" y1="67021" x2="77950" y2="63830"/>
+                        <a14:foregroundMark x1="67961" y1="72238" x2="66151" y2="74468"/>
+                        <a14:foregroundMark x1="75435" y1="63032" x2="73386" y2="65556"/>
+                        <a14:foregroundMark x1="66151" y1="74468" x2="65764" y2="75798"/>
+                        <a14:foregroundMark x1="49903" y1="76064" x2="51257" y2="89894"/>
+                        <a14:foregroundMark x1="51257" y1="89894" x2="61509" y2="96543"/>
+                        <a14:foregroundMark x1="61509" y1="96543" x2="65957" y2="80585"/>
+                        <a14:foregroundMark x1="65957" y1="80585" x2="65377" y2="77394"/>
+                        <a14:foregroundMark x1="52829" y1="7088" x2="52998" y2="7181"/>
+                        <a14:backgroundMark x1="69052" y1="71543" x2="71373" y2="68883"/>
+                        <a14:backgroundMark x1="71373" y1="68883" x2="72921" y2="67021"/>
+                        <a14:backgroundMark x1="69826" y1="70479" x2="69052" y2="71277"/>
+                        <a14:backgroundMark x1="69052" y1="71277" x2="68665" y2="72606"/>
+                        <a14:backgroundMark x1="83946" y1="78989" x2="85493" y2="77128"/>
+                        <a14:backgroundMark x1="83559" y1="78723" x2="84913" y2="78191"/>
+                        <a14:backgroundMark x1="83172" y1="79521" x2="83172" y2="79521"/>
+                        <a14:backgroundMark x1="83559" y1="79255" x2="83559" y2="79255"/>
+                        <a14:backgroundMark x1="50870" y1="4787" x2="53385" y2="5053"/>
+                        <a14:backgroundMark x1="53385" y1="5053" x2="53772" y2="5053"/>
+                      </a14:backgroundRemoval>
+                    </a14:imgEffect>
+                  </a14:imgLayer>
+                </a14:imgProps>
+              </a:ext>
+              <a:ext uri="{28A0092B-C50C-407E-A947-70E740481C1C}">
+                <a14:useLocalDpi xmlns:a14="http://schemas.microsoft.com/office/drawing/2010/main" val="0"/>
+              </a:ext>
+            </a:extLst>
+          </a:blip>
+          <a:stretch>
+            <a:fillRect/>
+          </a:stretch>
+        </p:blipFill>
+        <p:spPr>
+          <a:xfrm>
+            <a:off x="236246" y="348179"/>
+            <a:ext cx="941698" cy="684871"/>
+          </a:xfrm>
+          <a:prstGeom prst="rect">
+            <a:avLst/>
+          </a:prstGeom>
+        </p:spPr>
+      </p:pic>
     </p:spTree>
     <p:extLst>
       <p:ext uri="{BB962C8B-B14F-4D97-AF65-F5344CB8AC3E}">
@@ -6584,6 +6778,108 @@
           </a:p>
         </p:txBody>
       </p:sp>
+      <p:pic>
+        <p:nvPicPr>
+          <p:cNvPr id="4" name="Picture 3" descr="yes&#10;">
+            <a:extLst>
+              <a:ext uri="{FF2B5EF4-FFF2-40B4-BE49-F238E27FC236}">
+                <a16:creationId xmlns:a16="http://schemas.microsoft.com/office/drawing/2014/main" id="{30CF18A3-51FA-FE8D-34FD-0981E9D061C2}"/>
+              </a:ext>
+            </a:extLst>
+          </p:cNvPr>
+          <p:cNvPicPr>
+            <a:picLocks noChangeAspect="1"/>
+          </p:cNvPicPr>
+          <p:nvPr/>
+        </p:nvPicPr>
+        <p:blipFill>
+          <a:blip r:embed="rId3">
+            <a:extLst>
+              <a:ext uri="{BEBA8EAE-BF5A-486C-A8C5-ECC9F3942E4B}">
+                <a14:imgProps xmlns:a14="http://schemas.microsoft.com/office/drawing/2010/main">
+                  <a14:imgLayer r:embed="rId4">
+                    <a14:imgEffect>
+                      <a14:backgroundRemoval t="3989" b="97340" l="1161" r="97679">
+                        <a14:foregroundMark x1="5029" y1="41489" x2="4836" y2="43617"/>
+                        <a14:foregroundMark x1="29787" y1="9574" x2="41586" y2="5319"/>
+                        <a14:foregroundMark x1="41586" y1="5319" x2="44101" y2="7181"/>
+                        <a14:foregroundMark x1="32495" y1="6117" x2="18956" y2="9574"/>
+                        <a14:foregroundMark x1="18956" y1="9574" x2="4449" y2="31649"/>
+                        <a14:foregroundMark x1="4449" y1="31649" x2="3675" y2="35638"/>
+                        <a14:foregroundMark x1="1161" y1="47340" x2="1161" y2="47340"/>
+                        <a14:foregroundMark x1="1354" y1="48936" x2="1354" y2="48936"/>
+                        <a14:foregroundMark x1="1354" y1="48936" x2="6770" y2="47340"/>
+                        <a14:foregroundMark x1="9091" y1="51330" x2="15861" y2="65691"/>
+                        <a14:foregroundMark x1="15861" y1="65691" x2="14507" y2="80851"/>
+                        <a14:foregroundMark x1="14507" y1="80851" x2="16248" y2="95213"/>
+                        <a14:foregroundMark x1="16248" y1="95213" x2="27466" y2="97872"/>
+                        <a14:foregroundMark x1="27466" y1="97872" x2="21470" y2="85904"/>
+                        <a14:foregroundMark x1="21470" y1="85904" x2="15280" y2="85904"/>
+                        <a14:foregroundMark x1="28046" y1="97606" x2="33462" y2="84309"/>
+                        <a14:foregroundMark x1="33462" y1="84309" x2="32108" y2="72606"/>
+                        <a14:foregroundMark x1="37718" y1="73936" x2="48549" y2="74734"/>
+                        <a14:foregroundMark x1="53688" y1="5234" x2="69052" y2="2926"/>
+                        <a14:foregroundMark x1="46035" y1="6383" x2="50414" y2="5725"/>
+                        <a14:foregroundMark x1="69052" y1="2926" x2="89555" y2="11436"/>
+                        <a14:foregroundMark x1="89555" y1="11436" x2="95358" y2="27394"/>
+                        <a14:foregroundMark x1="95358" y1="27394" x2="96132" y2="37500"/>
+                        <a14:foregroundMark x1="50870" y1="18085" x2="57447" y2="45213"/>
+                        <a14:foregroundMark x1="57447" y1="45213" x2="67505" y2="45745"/>
+                        <a14:foregroundMark x1="67505" y1="45745" x2="71760" y2="44681"/>
+                        <a14:foregroundMark x1="97679" y1="40691" x2="95164" y2="57979"/>
+                        <a14:foregroundMark x1="83153" y1="79521" x2="81818" y2="81915"/>
+                        <a14:foregroundMark x1="83301" y1="79255" x2="83153" y2="79521"/>
+                        <a14:foregroundMark x1="83467" y1="78958" x2="83301" y2="79255"/>
+                        <a14:foregroundMark x1="95164" y1="57979" x2="86010" y2="74397"/>
+                        <a14:foregroundMark x1="82585" y1="83272" x2="83172" y2="84309"/>
+                        <a14:foregroundMark x1="82214" y1="82616" x2="82557" y2="83222"/>
+                        <a14:foregroundMark x1="81818" y1="81915" x2="82104" y2="82421"/>
+                        <a14:foregroundMark x1="84333" y1="84043" x2="75242" y2="91223"/>
+                        <a14:foregroundMark x1="75242" y1="91223" x2="72340" y2="76596"/>
+                        <a14:foregroundMark x1="72340" y1="76596" x2="75435" y2="71277"/>
+                        <a14:foregroundMark x1="77950" y1="67021" x2="77950" y2="63830"/>
+                        <a14:foregroundMark x1="67961" y1="72238" x2="66151" y2="74468"/>
+                        <a14:foregroundMark x1="75435" y1="63032" x2="73386" y2="65556"/>
+                        <a14:foregroundMark x1="66151" y1="74468" x2="65764" y2="75798"/>
+                        <a14:foregroundMark x1="49903" y1="76064" x2="51257" y2="89894"/>
+                        <a14:foregroundMark x1="51257" y1="89894" x2="61509" y2="96543"/>
+                        <a14:foregroundMark x1="61509" y1="96543" x2="65957" y2="80585"/>
+                        <a14:foregroundMark x1="65957" y1="80585" x2="65377" y2="77394"/>
+                        <a14:foregroundMark x1="52829" y1="7088" x2="52998" y2="7181"/>
+                        <a14:backgroundMark x1="69052" y1="71543" x2="71373" y2="68883"/>
+                        <a14:backgroundMark x1="71373" y1="68883" x2="72921" y2="67021"/>
+                        <a14:backgroundMark x1="69826" y1="70479" x2="69052" y2="71277"/>
+                        <a14:backgroundMark x1="69052" y1="71277" x2="68665" y2="72606"/>
+                        <a14:backgroundMark x1="83946" y1="78989" x2="85493" y2="77128"/>
+                        <a14:backgroundMark x1="83559" y1="78723" x2="84913" y2="78191"/>
+                        <a14:backgroundMark x1="83172" y1="79521" x2="83172" y2="79521"/>
+                        <a14:backgroundMark x1="83559" y1="79255" x2="83559" y2="79255"/>
+                        <a14:backgroundMark x1="50870" y1="4787" x2="53385" y2="5053"/>
+                        <a14:backgroundMark x1="53385" y1="5053" x2="53772" y2="5053"/>
+                      </a14:backgroundRemoval>
+                    </a14:imgEffect>
+                  </a14:imgLayer>
+                </a14:imgProps>
+              </a:ext>
+              <a:ext uri="{28A0092B-C50C-407E-A947-70E740481C1C}">
+                <a14:useLocalDpi xmlns:a14="http://schemas.microsoft.com/office/drawing/2010/main" val="0"/>
+              </a:ext>
+            </a:extLst>
+          </a:blip>
+          <a:stretch>
+            <a:fillRect/>
+          </a:stretch>
+        </p:blipFill>
+        <p:spPr>
+          <a:xfrm flipH="1">
+            <a:off x="10972800" y="5743732"/>
+            <a:ext cx="941698" cy="684871"/>
+          </a:xfrm>
+          <a:prstGeom prst="rect">
+            <a:avLst/>
+          </a:prstGeom>
+        </p:spPr>
+      </p:pic>
     </p:spTree>
     <p:extLst>
       <p:ext uri="{BB962C8B-B14F-4D97-AF65-F5344CB8AC3E}">
@@ -6594,6 +6890,18 @@
   <p:clrMapOvr>
     <a:masterClrMapping/>
   </p:clrMapOvr>
+  <mc:AlternateContent xmlns:mc="http://schemas.openxmlformats.org/markup-compatibility/2006">
+    <mc:Choice xmlns:p159="http://schemas.microsoft.com/office/powerpoint/2015/09/main" Requires="p159">
+      <p:transition xmlns:p14="http://schemas.microsoft.com/office/powerpoint/2010/main" spd="slow" p14:dur="2000">
+        <p159:morph option="byObject"/>
+      </p:transition>
+    </mc:Choice>
+    <mc:Fallback>
+      <p:transition spd="slow">
+        <p:fade/>
+      </p:transition>
+    </mc:Fallback>
+  </mc:AlternateContent>
 </p:sld>
 </file>
 
@@ -6797,6 +7105,108 @@
           </a:p>
         </p:txBody>
       </p:sp>
+      <p:pic>
+        <p:nvPicPr>
+          <p:cNvPr id="4" name="Picture 3" descr="yes&#10;">
+            <a:extLst>
+              <a:ext uri="{FF2B5EF4-FFF2-40B4-BE49-F238E27FC236}">
+                <a16:creationId xmlns:a16="http://schemas.microsoft.com/office/drawing/2014/main" id="{D1734F47-2FC5-45F4-523D-A04B87BA50FE}"/>
+              </a:ext>
+            </a:extLst>
+          </p:cNvPr>
+          <p:cNvPicPr>
+            <a:picLocks noChangeAspect="1"/>
+          </p:cNvPicPr>
+          <p:nvPr/>
+        </p:nvPicPr>
+        <p:blipFill>
+          <a:blip r:embed="rId3">
+            <a:extLst>
+              <a:ext uri="{BEBA8EAE-BF5A-486C-A8C5-ECC9F3942E4B}">
+                <a14:imgProps xmlns:a14="http://schemas.microsoft.com/office/drawing/2010/main">
+                  <a14:imgLayer r:embed="rId4">
+                    <a14:imgEffect>
+                      <a14:backgroundRemoval t="3989" b="97340" l="1161" r="97679">
+                        <a14:foregroundMark x1="5029" y1="41489" x2="4836" y2="43617"/>
+                        <a14:foregroundMark x1="29787" y1="9574" x2="41586" y2="5319"/>
+                        <a14:foregroundMark x1="41586" y1="5319" x2="44101" y2="7181"/>
+                        <a14:foregroundMark x1="32495" y1="6117" x2="18956" y2="9574"/>
+                        <a14:foregroundMark x1="18956" y1="9574" x2="4449" y2="31649"/>
+                        <a14:foregroundMark x1="4449" y1="31649" x2="3675" y2="35638"/>
+                        <a14:foregroundMark x1="1161" y1="47340" x2="1161" y2="47340"/>
+                        <a14:foregroundMark x1="1354" y1="48936" x2="1354" y2="48936"/>
+                        <a14:foregroundMark x1="1354" y1="48936" x2="6770" y2="47340"/>
+                        <a14:foregroundMark x1="9091" y1="51330" x2="15861" y2="65691"/>
+                        <a14:foregroundMark x1="15861" y1="65691" x2="14507" y2="80851"/>
+                        <a14:foregroundMark x1="14507" y1="80851" x2="16248" y2="95213"/>
+                        <a14:foregroundMark x1="16248" y1="95213" x2="27466" y2="97872"/>
+                        <a14:foregroundMark x1="27466" y1="97872" x2="21470" y2="85904"/>
+                        <a14:foregroundMark x1="21470" y1="85904" x2="15280" y2="85904"/>
+                        <a14:foregroundMark x1="28046" y1="97606" x2="33462" y2="84309"/>
+                        <a14:foregroundMark x1="33462" y1="84309" x2="32108" y2="72606"/>
+                        <a14:foregroundMark x1="37718" y1="73936" x2="48549" y2="74734"/>
+                        <a14:foregroundMark x1="53688" y1="5234" x2="69052" y2="2926"/>
+                        <a14:foregroundMark x1="46035" y1="6383" x2="50414" y2="5725"/>
+                        <a14:foregroundMark x1="69052" y1="2926" x2="89555" y2="11436"/>
+                        <a14:foregroundMark x1="89555" y1="11436" x2="95358" y2="27394"/>
+                        <a14:foregroundMark x1="95358" y1="27394" x2="96132" y2="37500"/>
+                        <a14:foregroundMark x1="50870" y1="18085" x2="57447" y2="45213"/>
+                        <a14:foregroundMark x1="57447" y1="45213" x2="67505" y2="45745"/>
+                        <a14:foregroundMark x1="67505" y1="45745" x2="71760" y2="44681"/>
+                        <a14:foregroundMark x1="97679" y1="40691" x2="95164" y2="57979"/>
+                        <a14:foregroundMark x1="83153" y1="79521" x2="81818" y2="81915"/>
+                        <a14:foregroundMark x1="83301" y1="79255" x2="83153" y2="79521"/>
+                        <a14:foregroundMark x1="83467" y1="78958" x2="83301" y2="79255"/>
+                        <a14:foregroundMark x1="95164" y1="57979" x2="86010" y2="74397"/>
+                        <a14:foregroundMark x1="82585" y1="83272" x2="83172" y2="84309"/>
+                        <a14:foregroundMark x1="82214" y1="82616" x2="82557" y2="83222"/>
+                        <a14:foregroundMark x1="81818" y1="81915" x2="82104" y2="82421"/>
+                        <a14:foregroundMark x1="84333" y1="84043" x2="75242" y2="91223"/>
+                        <a14:foregroundMark x1="75242" y1="91223" x2="72340" y2="76596"/>
+                        <a14:foregroundMark x1="72340" y1="76596" x2="75435" y2="71277"/>
+                        <a14:foregroundMark x1="77950" y1="67021" x2="77950" y2="63830"/>
+                        <a14:foregroundMark x1="67961" y1="72238" x2="66151" y2="74468"/>
+                        <a14:foregroundMark x1="75435" y1="63032" x2="73386" y2="65556"/>
+                        <a14:foregroundMark x1="66151" y1="74468" x2="65764" y2="75798"/>
+                        <a14:foregroundMark x1="49903" y1="76064" x2="51257" y2="89894"/>
+                        <a14:foregroundMark x1="51257" y1="89894" x2="61509" y2="96543"/>
+                        <a14:foregroundMark x1="61509" y1="96543" x2="65957" y2="80585"/>
+                        <a14:foregroundMark x1="65957" y1="80585" x2="65377" y2="77394"/>
+                        <a14:foregroundMark x1="52829" y1="7088" x2="52998" y2="7181"/>
+                        <a14:backgroundMark x1="69052" y1="71543" x2="71373" y2="68883"/>
+                        <a14:backgroundMark x1="71373" y1="68883" x2="72921" y2="67021"/>
+                        <a14:backgroundMark x1="69826" y1="70479" x2="69052" y2="71277"/>
+                        <a14:backgroundMark x1="69052" y1="71277" x2="68665" y2="72606"/>
+                        <a14:backgroundMark x1="83946" y1="78989" x2="85493" y2="77128"/>
+                        <a14:backgroundMark x1="83559" y1="78723" x2="84913" y2="78191"/>
+                        <a14:backgroundMark x1="83172" y1="79521" x2="83172" y2="79521"/>
+                        <a14:backgroundMark x1="83559" y1="79255" x2="83559" y2="79255"/>
+                        <a14:backgroundMark x1="50870" y1="4787" x2="53385" y2="5053"/>
+                        <a14:backgroundMark x1="53385" y1="5053" x2="53772" y2="5053"/>
+                      </a14:backgroundRemoval>
+                    </a14:imgEffect>
+                  </a14:imgLayer>
+                </a14:imgProps>
+              </a:ext>
+              <a:ext uri="{28A0092B-C50C-407E-A947-70E740481C1C}">
+                <a14:useLocalDpi xmlns:a14="http://schemas.microsoft.com/office/drawing/2010/main" val="0"/>
+              </a:ext>
+            </a:extLst>
+          </a:blip>
+          <a:stretch>
+            <a:fillRect/>
+          </a:stretch>
+        </p:blipFill>
+        <p:spPr>
+          <a:xfrm flipH="1">
+            <a:off x="10972800" y="5743732"/>
+            <a:ext cx="941698" cy="684871"/>
+          </a:xfrm>
+          <a:prstGeom prst="rect">
+            <a:avLst/>
+          </a:prstGeom>
+        </p:spPr>
+      </p:pic>
     </p:spTree>
     <p:extLst>
       <p:ext uri="{BB962C8B-B14F-4D97-AF65-F5344CB8AC3E}">
@@ -6807,6 +7217,18 @@
   <p:clrMapOvr>
     <a:masterClrMapping/>
   </p:clrMapOvr>
+  <mc:AlternateContent xmlns:mc="http://schemas.openxmlformats.org/markup-compatibility/2006">
+    <mc:Choice xmlns:p159="http://schemas.microsoft.com/office/powerpoint/2015/09/main" Requires="p159">
+      <p:transition xmlns:p14="http://schemas.microsoft.com/office/powerpoint/2010/main" spd="slow" p14:dur="2000">
+        <p159:morph option="byObject"/>
+      </p:transition>
+    </mc:Choice>
+    <mc:Fallback>
+      <p:transition spd="slow">
+        <p:fade/>
+      </p:transition>
+    </mc:Fallback>
+  </mc:AlternateContent>
 </p:sld>
 </file>
 
@@ -6891,6 +7313,108 @@
           </a:p>
         </p:txBody>
       </p:sp>
+      <p:pic>
+        <p:nvPicPr>
+          <p:cNvPr id="4" name="Picture 3" descr="yes&#10;">
+            <a:extLst>
+              <a:ext uri="{FF2B5EF4-FFF2-40B4-BE49-F238E27FC236}">
+                <a16:creationId xmlns:a16="http://schemas.microsoft.com/office/drawing/2014/main" id="{86A2C431-40C5-56BE-327A-5E44B2A61B99}"/>
+              </a:ext>
+            </a:extLst>
+          </p:cNvPr>
+          <p:cNvPicPr>
+            <a:picLocks noChangeAspect="1"/>
+          </p:cNvPicPr>
+          <p:nvPr/>
+        </p:nvPicPr>
+        <p:blipFill>
+          <a:blip r:embed="rId2">
+            <a:extLst>
+              <a:ext uri="{BEBA8EAE-BF5A-486C-A8C5-ECC9F3942E4B}">
+                <a14:imgProps xmlns:a14="http://schemas.microsoft.com/office/drawing/2010/main">
+                  <a14:imgLayer r:embed="rId3">
+                    <a14:imgEffect>
+                      <a14:backgroundRemoval t="3989" b="97340" l="1161" r="97679">
+                        <a14:foregroundMark x1="5029" y1="41489" x2="4836" y2="43617"/>
+                        <a14:foregroundMark x1="29787" y1="9574" x2="41586" y2="5319"/>
+                        <a14:foregroundMark x1="41586" y1="5319" x2="44101" y2="7181"/>
+                        <a14:foregroundMark x1="32495" y1="6117" x2="18956" y2="9574"/>
+                        <a14:foregroundMark x1="18956" y1="9574" x2="4449" y2="31649"/>
+                        <a14:foregroundMark x1="4449" y1="31649" x2="3675" y2="35638"/>
+                        <a14:foregroundMark x1="1161" y1="47340" x2="1161" y2="47340"/>
+                        <a14:foregroundMark x1="1354" y1="48936" x2="1354" y2="48936"/>
+                        <a14:foregroundMark x1="1354" y1="48936" x2="6770" y2="47340"/>
+                        <a14:foregroundMark x1="9091" y1="51330" x2="15861" y2="65691"/>
+                        <a14:foregroundMark x1="15861" y1="65691" x2="14507" y2="80851"/>
+                        <a14:foregroundMark x1="14507" y1="80851" x2="16248" y2="95213"/>
+                        <a14:foregroundMark x1="16248" y1="95213" x2="27466" y2="97872"/>
+                        <a14:foregroundMark x1="27466" y1="97872" x2="21470" y2="85904"/>
+                        <a14:foregroundMark x1="21470" y1="85904" x2="15280" y2="85904"/>
+                        <a14:foregroundMark x1="28046" y1="97606" x2="33462" y2="84309"/>
+                        <a14:foregroundMark x1="33462" y1="84309" x2="32108" y2="72606"/>
+                        <a14:foregroundMark x1="37718" y1="73936" x2="48549" y2="74734"/>
+                        <a14:foregroundMark x1="53688" y1="5234" x2="69052" y2="2926"/>
+                        <a14:foregroundMark x1="46035" y1="6383" x2="50414" y2="5725"/>
+                        <a14:foregroundMark x1="69052" y1="2926" x2="89555" y2="11436"/>
+                        <a14:foregroundMark x1="89555" y1="11436" x2="95358" y2="27394"/>
+                        <a14:foregroundMark x1="95358" y1="27394" x2="96132" y2="37500"/>
+                        <a14:foregroundMark x1="50870" y1="18085" x2="57447" y2="45213"/>
+                        <a14:foregroundMark x1="57447" y1="45213" x2="67505" y2="45745"/>
+                        <a14:foregroundMark x1="67505" y1="45745" x2="71760" y2="44681"/>
+                        <a14:foregroundMark x1="97679" y1="40691" x2="95164" y2="57979"/>
+                        <a14:foregroundMark x1="83153" y1="79521" x2="81818" y2="81915"/>
+                        <a14:foregroundMark x1="83301" y1="79255" x2="83153" y2="79521"/>
+                        <a14:foregroundMark x1="83467" y1="78958" x2="83301" y2="79255"/>
+                        <a14:foregroundMark x1="95164" y1="57979" x2="86010" y2="74397"/>
+                        <a14:foregroundMark x1="82585" y1="83272" x2="83172" y2="84309"/>
+                        <a14:foregroundMark x1="82214" y1="82616" x2="82557" y2="83222"/>
+                        <a14:foregroundMark x1="81818" y1="81915" x2="82104" y2="82421"/>
+                        <a14:foregroundMark x1="84333" y1="84043" x2="75242" y2="91223"/>
+                        <a14:foregroundMark x1="75242" y1="91223" x2="72340" y2="76596"/>
+                        <a14:foregroundMark x1="72340" y1="76596" x2="75435" y2="71277"/>
+                        <a14:foregroundMark x1="77950" y1="67021" x2="77950" y2="63830"/>
+                        <a14:foregroundMark x1="67961" y1="72238" x2="66151" y2="74468"/>
+                        <a14:foregroundMark x1="75435" y1="63032" x2="73386" y2="65556"/>
+                        <a14:foregroundMark x1="66151" y1="74468" x2="65764" y2="75798"/>
+                        <a14:foregroundMark x1="49903" y1="76064" x2="51257" y2="89894"/>
+                        <a14:foregroundMark x1="51257" y1="89894" x2="61509" y2="96543"/>
+                        <a14:foregroundMark x1="61509" y1="96543" x2="65957" y2="80585"/>
+                        <a14:foregroundMark x1="65957" y1="80585" x2="65377" y2="77394"/>
+                        <a14:foregroundMark x1="52829" y1="7088" x2="52998" y2="7181"/>
+                        <a14:backgroundMark x1="69052" y1="71543" x2="71373" y2="68883"/>
+                        <a14:backgroundMark x1="71373" y1="68883" x2="72921" y2="67021"/>
+                        <a14:backgroundMark x1="69826" y1="70479" x2="69052" y2="71277"/>
+                        <a14:backgroundMark x1="69052" y1="71277" x2="68665" y2="72606"/>
+                        <a14:backgroundMark x1="83946" y1="78989" x2="85493" y2="77128"/>
+                        <a14:backgroundMark x1="83559" y1="78723" x2="84913" y2="78191"/>
+                        <a14:backgroundMark x1="83172" y1="79521" x2="83172" y2="79521"/>
+                        <a14:backgroundMark x1="83559" y1="79255" x2="83559" y2="79255"/>
+                        <a14:backgroundMark x1="50870" y1="4787" x2="53385" y2="5053"/>
+                        <a14:backgroundMark x1="53385" y1="5053" x2="53772" y2="5053"/>
+                      </a14:backgroundRemoval>
+                    </a14:imgEffect>
+                  </a14:imgLayer>
+                </a14:imgProps>
+              </a:ext>
+              <a:ext uri="{28A0092B-C50C-407E-A947-70E740481C1C}">
+                <a14:useLocalDpi xmlns:a14="http://schemas.microsoft.com/office/drawing/2010/main" val="0"/>
+              </a:ext>
+            </a:extLst>
+          </a:blip>
+          <a:stretch>
+            <a:fillRect/>
+          </a:stretch>
+        </p:blipFill>
+        <p:spPr>
+          <a:xfrm flipH="1">
+            <a:off x="10972800" y="5743732"/>
+            <a:ext cx="941698" cy="684871"/>
+          </a:xfrm>
+          <a:prstGeom prst="rect">
+            <a:avLst/>
+          </a:prstGeom>
+        </p:spPr>
+      </p:pic>
     </p:spTree>
     <p:extLst>
       <p:ext uri="{BB962C8B-B14F-4D97-AF65-F5344CB8AC3E}">
@@ -6901,6 +7425,18 @@
   <p:clrMapOvr>
     <a:masterClrMapping/>
   </p:clrMapOvr>
+  <mc:AlternateContent xmlns:mc="http://schemas.openxmlformats.org/markup-compatibility/2006">
+    <mc:Choice xmlns:p159="http://schemas.microsoft.com/office/powerpoint/2015/09/main" Requires="p159">
+      <p:transition xmlns:p14="http://schemas.microsoft.com/office/powerpoint/2010/main" spd="slow" p14:dur="2000">
+        <p159:morph option="byObject"/>
+      </p:transition>
+    </mc:Choice>
+    <mc:Fallback>
+      <p:transition spd="slow">
+        <p:fade/>
+      </p:transition>
+    </mc:Fallback>
+  </mc:AlternateContent>
 </p:sld>
 </file>
 
@@ -6987,19 +7523,16 @@
           <a:p>
             <a:pPr lvl="1"/>
             <a:r>
+              <a:rPr lang="sv-SE" dirty="0"/>
+              <a:t>Re-</a:t>
+            </a:r>
+            <a:r>
               <a:rPr lang="sv-SE" dirty="0" err="1"/>
-              <a:t>Identify</a:t>
+              <a:t>prioritize</a:t>
             </a:r>
             <a:r>
               <a:rPr lang="sv-SE" dirty="0"/>
-              <a:t> requirements and needs (must have vs. nice to have)</a:t>
-            </a:r>
-          </a:p>
-          <a:p>
-            <a:pPr lvl="1"/>
-            <a:r>
-              <a:rPr lang="sv-SE" dirty="0"/>
-              <a:t>Re-prioritize tasks and </a:t>
+              <a:t> tasks and </a:t>
             </a:r>
             <a:r>
               <a:rPr lang="sv-SE" dirty="0" err="1"/>
@@ -7017,11 +7550,27 @@
             <a:pPr lvl="1"/>
             <a:r>
               <a:rPr lang="sv-SE" dirty="0" err="1"/>
-              <a:t>Timeseries</a:t>
+              <a:t>Geographic</a:t>
             </a:r>
             <a:r>
               <a:rPr lang="sv-SE" dirty="0"/>
-              <a:t> in </a:t>
+              <a:t> </a:t>
+            </a:r>
+            <a:r>
+              <a:rPr lang="sv-SE" dirty="0" err="1"/>
+              <a:t>plots</a:t>
+            </a:r>
+            <a:endParaRPr lang="sv-SE" dirty="0"/>
+          </a:p>
+          <a:p>
+            <a:pPr lvl="1"/>
+            <a:r>
+              <a:rPr lang="sv-SE" dirty="0" err="1"/>
+              <a:t>Time</a:t>
+            </a:r>
+            <a:r>
+              <a:rPr lang="sv-SE" dirty="0"/>
+              <a:t> and date in </a:t>
             </a:r>
             <a:r>
               <a:rPr lang="sv-SE" dirty="0" err="1"/>
@@ -7034,22 +7583,112 @@
           </a:p>
           <a:p>
             <a:pPr lvl="1"/>
-            <a:r>
-              <a:rPr lang="sv-SE" dirty="0"/>
-              <a:t>Geo </a:t>
-            </a:r>
-            <a:r>
-              <a:rPr lang="sv-SE" dirty="0" err="1"/>
-              <a:t>plots</a:t>
-            </a:r>
-            <a:endParaRPr lang="sv-SE" dirty="0"/>
-          </a:p>
-          <a:p>
-            <a:pPr lvl="1"/>
             <a:endParaRPr lang="en-SE" dirty="0"/>
           </a:p>
         </p:txBody>
       </p:sp>
+      <p:pic>
+        <p:nvPicPr>
+          <p:cNvPr id="4" name="Picture 3" descr="yes&#10;">
+            <a:extLst>
+              <a:ext uri="{FF2B5EF4-FFF2-40B4-BE49-F238E27FC236}">
+                <a16:creationId xmlns:a16="http://schemas.microsoft.com/office/drawing/2014/main" id="{8F21A6B4-81BF-67DF-9C46-8368C1B7D196}"/>
+              </a:ext>
+            </a:extLst>
+          </p:cNvPr>
+          <p:cNvPicPr>
+            <a:picLocks noChangeAspect="1"/>
+          </p:cNvPicPr>
+          <p:nvPr/>
+        </p:nvPicPr>
+        <p:blipFill>
+          <a:blip r:embed="rId3">
+            <a:extLst>
+              <a:ext uri="{BEBA8EAE-BF5A-486C-A8C5-ECC9F3942E4B}">
+                <a14:imgProps xmlns:a14="http://schemas.microsoft.com/office/drawing/2010/main">
+                  <a14:imgLayer r:embed="rId4">
+                    <a14:imgEffect>
+                      <a14:backgroundRemoval t="3989" b="97340" l="1161" r="97679">
+                        <a14:foregroundMark x1="5029" y1="41489" x2="4836" y2="43617"/>
+                        <a14:foregroundMark x1="29787" y1="9574" x2="41586" y2="5319"/>
+                        <a14:foregroundMark x1="41586" y1="5319" x2="44101" y2="7181"/>
+                        <a14:foregroundMark x1="32495" y1="6117" x2="18956" y2="9574"/>
+                        <a14:foregroundMark x1="18956" y1="9574" x2="4449" y2="31649"/>
+                        <a14:foregroundMark x1="4449" y1="31649" x2="3675" y2="35638"/>
+                        <a14:foregroundMark x1="1161" y1="47340" x2="1161" y2="47340"/>
+                        <a14:foregroundMark x1="1354" y1="48936" x2="1354" y2="48936"/>
+                        <a14:foregroundMark x1="1354" y1="48936" x2="6770" y2="47340"/>
+                        <a14:foregroundMark x1="9091" y1="51330" x2="15861" y2="65691"/>
+                        <a14:foregroundMark x1="15861" y1="65691" x2="14507" y2="80851"/>
+                        <a14:foregroundMark x1="14507" y1="80851" x2="16248" y2="95213"/>
+                        <a14:foregroundMark x1="16248" y1="95213" x2="27466" y2="97872"/>
+                        <a14:foregroundMark x1="27466" y1="97872" x2="21470" y2="85904"/>
+                        <a14:foregroundMark x1="21470" y1="85904" x2="15280" y2="85904"/>
+                        <a14:foregroundMark x1="28046" y1="97606" x2="33462" y2="84309"/>
+                        <a14:foregroundMark x1="33462" y1="84309" x2="32108" y2="72606"/>
+                        <a14:foregroundMark x1="37718" y1="73936" x2="48549" y2="74734"/>
+                        <a14:foregroundMark x1="53688" y1="5234" x2="69052" y2="2926"/>
+                        <a14:foregroundMark x1="46035" y1="6383" x2="50414" y2="5725"/>
+                        <a14:foregroundMark x1="69052" y1="2926" x2="89555" y2="11436"/>
+                        <a14:foregroundMark x1="89555" y1="11436" x2="95358" y2="27394"/>
+                        <a14:foregroundMark x1="95358" y1="27394" x2="96132" y2="37500"/>
+                        <a14:foregroundMark x1="50870" y1="18085" x2="57447" y2="45213"/>
+                        <a14:foregroundMark x1="57447" y1="45213" x2="67505" y2="45745"/>
+                        <a14:foregroundMark x1="67505" y1="45745" x2="71760" y2="44681"/>
+                        <a14:foregroundMark x1="97679" y1="40691" x2="95164" y2="57979"/>
+                        <a14:foregroundMark x1="83153" y1="79521" x2="81818" y2="81915"/>
+                        <a14:foregroundMark x1="83301" y1="79255" x2="83153" y2="79521"/>
+                        <a14:foregroundMark x1="83467" y1="78958" x2="83301" y2="79255"/>
+                        <a14:foregroundMark x1="95164" y1="57979" x2="86010" y2="74397"/>
+                        <a14:foregroundMark x1="82585" y1="83272" x2="83172" y2="84309"/>
+                        <a14:foregroundMark x1="82214" y1="82616" x2="82557" y2="83222"/>
+                        <a14:foregroundMark x1="81818" y1="81915" x2="82104" y2="82421"/>
+                        <a14:foregroundMark x1="84333" y1="84043" x2="75242" y2="91223"/>
+                        <a14:foregroundMark x1="75242" y1="91223" x2="72340" y2="76596"/>
+                        <a14:foregroundMark x1="72340" y1="76596" x2="75435" y2="71277"/>
+                        <a14:foregroundMark x1="77950" y1="67021" x2="77950" y2="63830"/>
+                        <a14:foregroundMark x1="67961" y1="72238" x2="66151" y2="74468"/>
+                        <a14:foregroundMark x1="75435" y1="63032" x2="73386" y2="65556"/>
+                        <a14:foregroundMark x1="66151" y1="74468" x2="65764" y2="75798"/>
+                        <a14:foregroundMark x1="49903" y1="76064" x2="51257" y2="89894"/>
+                        <a14:foregroundMark x1="51257" y1="89894" x2="61509" y2="96543"/>
+                        <a14:foregroundMark x1="61509" y1="96543" x2="65957" y2="80585"/>
+                        <a14:foregroundMark x1="65957" y1="80585" x2="65377" y2="77394"/>
+                        <a14:foregroundMark x1="52829" y1="7088" x2="52998" y2="7181"/>
+                        <a14:backgroundMark x1="69052" y1="71543" x2="71373" y2="68883"/>
+                        <a14:backgroundMark x1="71373" y1="68883" x2="72921" y2="67021"/>
+                        <a14:backgroundMark x1="69826" y1="70479" x2="69052" y2="71277"/>
+                        <a14:backgroundMark x1="69052" y1="71277" x2="68665" y2="72606"/>
+                        <a14:backgroundMark x1="83946" y1="78989" x2="85493" y2="77128"/>
+                        <a14:backgroundMark x1="83559" y1="78723" x2="84913" y2="78191"/>
+                        <a14:backgroundMark x1="83172" y1="79521" x2="83172" y2="79521"/>
+                        <a14:backgroundMark x1="83559" y1="79255" x2="83559" y2="79255"/>
+                        <a14:backgroundMark x1="50870" y1="4787" x2="53385" y2="5053"/>
+                        <a14:backgroundMark x1="53385" y1="5053" x2="53772" y2="5053"/>
+                      </a14:backgroundRemoval>
+                    </a14:imgEffect>
+                  </a14:imgLayer>
+                </a14:imgProps>
+              </a:ext>
+              <a:ext uri="{28A0092B-C50C-407E-A947-70E740481C1C}">
+                <a14:useLocalDpi xmlns:a14="http://schemas.microsoft.com/office/drawing/2010/main" val="0"/>
+              </a:ext>
+            </a:extLst>
+          </a:blip>
+          <a:stretch>
+            <a:fillRect/>
+          </a:stretch>
+        </p:blipFill>
+        <p:spPr>
+          <a:xfrm flipH="1">
+            <a:off x="10972800" y="5743732"/>
+            <a:ext cx="941698" cy="684871"/>
+          </a:xfrm>
+          <a:prstGeom prst="rect">
+            <a:avLst/>
+          </a:prstGeom>
+        </p:spPr>
+      </p:pic>
     </p:spTree>
     <p:extLst>
       <p:ext uri="{BB962C8B-B14F-4D97-AF65-F5344CB8AC3E}">
@@ -7060,6 +7699,18 @@
   <p:clrMapOvr>
     <a:masterClrMapping/>
   </p:clrMapOvr>
+  <mc:AlternateContent xmlns:mc="http://schemas.openxmlformats.org/markup-compatibility/2006">
+    <mc:Choice xmlns:p159="http://schemas.microsoft.com/office/powerpoint/2015/09/main" Requires="p159">
+      <p:transition xmlns:p14="http://schemas.microsoft.com/office/powerpoint/2010/main" spd="slow" p14:dur="2000">
+        <p159:morph option="byObject"/>
+      </p:transition>
+    </mc:Choice>
+    <mc:Fallback>
+      <p:transition spd="slow">
+        <p:fade/>
+      </p:transition>
+    </mc:Fallback>
+  </mc:AlternateContent>
 </p:sld>
 </file>
 
@@ -7153,6 +7804,210 @@
           </a:p>
         </p:txBody>
       </p:sp>
+      <p:pic>
+        <p:nvPicPr>
+          <p:cNvPr id="4" name="Picture 3" descr="yes&#10;">
+            <a:extLst>
+              <a:ext uri="{FF2B5EF4-FFF2-40B4-BE49-F238E27FC236}">
+                <a16:creationId xmlns:a16="http://schemas.microsoft.com/office/drawing/2014/main" id="{167BBC28-1803-E50B-FB24-3FBC9E5D6FA9}"/>
+              </a:ext>
+            </a:extLst>
+          </p:cNvPr>
+          <p:cNvPicPr>
+            <a:picLocks noChangeAspect="1"/>
+          </p:cNvPicPr>
+          <p:nvPr/>
+        </p:nvPicPr>
+        <p:blipFill>
+          <a:blip r:embed="rId2">
+            <a:extLst>
+              <a:ext uri="{BEBA8EAE-BF5A-486C-A8C5-ECC9F3942E4B}">
+                <a14:imgProps xmlns:a14="http://schemas.microsoft.com/office/drawing/2010/main">
+                  <a14:imgLayer r:embed="rId3">
+                    <a14:imgEffect>
+                      <a14:backgroundRemoval t="3989" b="97340" l="1161" r="97679">
+                        <a14:foregroundMark x1="5029" y1="41489" x2="4836" y2="43617"/>
+                        <a14:foregroundMark x1="29787" y1="9574" x2="41586" y2="5319"/>
+                        <a14:foregroundMark x1="41586" y1="5319" x2="44101" y2="7181"/>
+                        <a14:foregroundMark x1="32495" y1="6117" x2="18956" y2="9574"/>
+                        <a14:foregroundMark x1="18956" y1="9574" x2="4449" y2="31649"/>
+                        <a14:foregroundMark x1="4449" y1="31649" x2="3675" y2="35638"/>
+                        <a14:foregroundMark x1="1161" y1="47340" x2="1161" y2="47340"/>
+                        <a14:foregroundMark x1="1354" y1="48936" x2="1354" y2="48936"/>
+                        <a14:foregroundMark x1="1354" y1="48936" x2="6770" y2="47340"/>
+                        <a14:foregroundMark x1="9091" y1="51330" x2="15861" y2="65691"/>
+                        <a14:foregroundMark x1="15861" y1="65691" x2="14507" y2="80851"/>
+                        <a14:foregroundMark x1="14507" y1="80851" x2="16248" y2="95213"/>
+                        <a14:foregroundMark x1="16248" y1="95213" x2="27466" y2="97872"/>
+                        <a14:foregroundMark x1="27466" y1="97872" x2="21470" y2="85904"/>
+                        <a14:foregroundMark x1="21470" y1="85904" x2="15280" y2="85904"/>
+                        <a14:foregroundMark x1="28046" y1="97606" x2="33462" y2="84309"/>
+                        <a14:foregroundMark x1="33462" y1="84309" x2="32108" y2="72606"/>
+                        <a14:foregroundMark x1="37718" y1="73936" x2="48549" y2="74734"/>
+                        <a14:foregroundMark x1="53688" y1="5234" x2="69052" y2="2926"/>
+                        <a14:foregroundMark x1="46035" y1="6383" x2="50414" y2="5725"/>
+                        <a14:foregroundMark x1="69052" y1="2926" x2="89555" y2="11436"/>
+                        <a14:foregroundMark x1="89555" y1="11436" x2="95358" y2="27394"/>
+                        <a14:foregroundMark x1="95358" y1="27394" x2="96132" y2="37500"/>
+                        <a14:foregroundMark x1="50870" y1="18085" x2="57447" y2="45213"/>
+                        <a14:foregroundMark x1="57447" y1="45213" x2="67505" y2="45745"/>
+                        <a14:foregroundMark x1="67505" y1="45745" x2="71760" y2="44681"/>
+                        <a14:foregroundMark x1="97679" y1="40691" x2="95164" y2="57979"/>
+                        <a14:foregroundMark x1="83153" y1="79521" x2="81818" y2="81915"/>
+                        <a14:foregroundMark x1="83301" y1="79255" x2="83153" y2="79521"/>
+                        <a14:foregroundMark x1="83467" y1="78958" x2="83301" y2="79255"/>
+                        <a14:foregroundMark x1="95164" y1="57979" x2="86010" y2="74397"/>
+                        <a14:foregroundMark x1="82585" y1="83272" x2="83172" y2="84309"/>
+                        <a14:foregroundMark x1="82214" y1="82616" x2="82557" y2="83222"/>
+                        <a14:foregroundMark x1="81818" y1="81915" x2="82104" y2="82421"/>
+                        <a14:foregroundMark x1="84333" y1="84043" x2="75242" y2="91223"/>
+                        <a14:foregroundMark x1="75242" y1="91223" x2="72340" y2="76596"/>
+                        <a14:foregroundMark x1="72340" y1="76596" x2="75435" y2="71277"/>
+                        <a14:foregroundMark x1="77950" y1="67021" x2="77950" y2="63830"/>
+                        <a14:foregroundMark x1="67961" y1="72238" x2="66151" y2="74468"/>
+                        <a14:foregroundMark x1="75435" y1="63032" x2="73386" y2="65556"/>
+                        <a14:foregroundMark x1="66151" y1="74468" x2="65764" y2="75798"/>
+                        <a14:foregroundMark x1="49903" y1="76064" x2="51257" y2="89894"/>
+                        <a14:foregroundMark x1="51257" y1="89894" x2="61509" y2="96543"/>
+                        <a14:foregroundMark x1="61509" y1="96543" x2="65957" y2="80585"/>
+                        <a14:foregroundMark x1="65957" y1="80585" x2="65377" y2="77394"/>
+                        <a14:foregroundMark x1="52829" y1="7088" x2="52998" y2="7181"/>
+                        <a14:backgroundMark x1="69052" y1="71543" x2="71373" y2="68883"/>
+                        <a14:backgroundMark x1="71373" y1="68883" x2="72921" y2="67021"/>
+                        <a14:backgroundMark x1="69826" y1="70479" x2="69052" y2="71277"/>
+                        <a14:backgroundMark x1="69052" y1="71277" x2="68665" y2="72606"/>
+                        <a14:backgroundMark x1="83946" y1="78989" x2="85493" y2="77128"/>
+                        <a14:backgroundMark x1="83559" y1="78723" x2="84913" y2="78191"/>
+                        <a14:backgroundMark x1="83172" y1="79521" x2="83172" y2="79521"/>
+                        <a14:backgroundMark x1="83559" y1="79255" x2="83559" y2="79255"/>
+                        <a14:backgroundMark x1="50870" y1="4787" x2="53385" y2="5053"/>
+                        <a14:backgroundMark x1="53385" y1="5053" x2="53772" y2="5053"/>
+                      </a14:backgroundRemoval>
+                    </a14:imgEffect>
+                  </a14:imgLayer>
+                </a14:imgProps>
+              </a:ext>
+              <a:ext uri="{28A0092B-C50C-407E-A947-70E740481C1C}">
+                <a14:useLocalDpi xmlns:a14="http://schemas.microsoft.com/office/drawing/2010/main" val="0"/>
+              </a:ext>
+            </a:extLst>
+          </a:blip>
+          <a:stretch>
+            <a:fillRect/>
+          </a:stretch>
+        </p:blipFill>
+        <p:spPr>
+          <a:xfrm>
+            <a:off x="4086134" y="3086564"/>
+            <a:ext cx="941698" cy="684871"/>
+          </a:xfrm>
+          <a:prstGeom prst="rect">
+            <a:avLst/>
+          </a:prstGeom>
+        </p:spPr>
+      </p:pic>
+      <p:pic>
+        <p:nvPicPr>
+          <p:cNvPr id="5" name="Picture 4" descr="yes&#10;">
+            <a:extLst>
+              <a:ext uri="{FF2B5EF4-FFF2-40B4-BE49-F238E27FC236}">
+                <a16:creationId xmlns:a16="http://schemas.microsoft.com/office/drawing/2014/main" id="{E8BA9DB2-DFEC-4AF4-4FE7-B351EC8A3E8F}"/>
+              </a:ext>
+            </a:extLst>
+          </p:cNvPr>
+          <p:cNvPicPr>
+            <a:picLocks noChangeAspect="1"/>
+          </p:cNvPicPr>
+          <p:nvPr/>
+        </p:nvPicPr>
+        <p:blipFill>
+          <a:blip r:embed="rId2">
+            <a:extLst>
+              <a:ext uri="{BEBA8EAE-BF5A-486C-A8C5-ECC9F3942E4B}">
+                <a14:imgProps xmlns:a14="http://schemas.microsoft.com/office/drawing/2010/main">
+                  <a14:imgLayer r:embed="rId3">
+                    <a14:imgEffect>
+                      <a14:backgroundRemoval t="3989" b="97340" l="1161" r="97679">
+                        <a14:foregroundMark x1="5029" y1="41489" x2="4836" y2="43617"/>
+                        <a14:foregroundMark x1="29787" y1="9574" x2="41586" y2="5319"/>
+                        <a14:foregroundMark x1="41586" y1="5319" x2="44101" y2="7181"/>
+                        <a14:foregroundMark x1="32495" y1="6117" x2="18956" y2="9574"/>
+                        <a14:foregroundMark x1="18956" y1="9574" x2="4449" y2="31649"/>
+                        <a14:foregroundMark x1="4449" y1="31649" x2="3675" y2="35638"/>
+                        <a14:foregroundMark x1="1161" y1="47340" x2="1161" y2="47340"/>
+                        <a14:foregroundMark x1="1354" y1="48936" x2="1354" y2="48936"/>
+                        <a14:foregroundMark x1="1354" y1="48936" x2="6770" y2="47340"/>
+                        <a14:foregroundMark x1="9091" y1="51330" x2="15861" y2="65691"/>
+                        <a14:foregroundMark x1="15861" y1="65691" x2="14507" y2="80851"/>
+                        <a14:foregroundMark x1="14507" y1="80851" x2="16248" y2="95213"/>
+                        <a14:foregroundMark x1="16248" y1="95213" x2="27466" y2="97872"/>
+                        <a14:foregroundMark x1="27466" y1="97872" x2="21470" y2="85904"/>
+                        <a14:foregroundMark x1="21470" y1="85904" x2="15280" y2="85904"/>
+                        <a14:foregroundMark x1="28046" y1="97606" x2="33462" y2="84309"/>
+                        <a14:foregroundMark x1="33462" y1="84309" x2="32108" y2="72606"/>
+                        <a14:foregroundMark x1="37718" y1="73936" x2="48549" y2="74734"/>
+                        <a14:foregroundMark x1="53688" y1="5234" x2="69052" y2="2926"/>
+                        <a14:foregroundMark x1="46035" y1="6383" x2="50414" y2="5725"/>
+                        <a14:foregroundMark x1="69052" y1="2926" x2="89555" y2="11436"/>
+                        <a14:foregroundMark x1="89555" y1="11436" x2="95358" y2="27394"/>
+                        <a14:foregroundMark x1="95358" y1="27394" x2="96132" y2="37500"/>
+                        <a14:foregroundMark x1="50870" y1="18085" x2="57447" y2="45213"/>
+                        <a14:foregroundMark x1="57447" y1="45213" x2="67505" y2="45745"/>
+                        <a14:foregroundMark x1="67505" y1="45745" x2="71760" y2="44681"/>
+                        <a14:foregroundMark x1="97679" y1="40691" x2="95164" y2="57979"/>
+                        <a14:foregroundMark x1="83153" y1="79521" x2="81818" y2="81915"/>
+                        <a14:foregroundMark x1="83301" y1="79255" x2="83153" y2="79521"/>
+                        <a14:foregroundMark x1="83467" y1="78958" x2="83301" y2="79255"/>
+                        <a14:foregroundMark x1="95164" y1="57979" x2="86010" y2="74397"/>
+                        <a14:foregroundMark x1="82585" y1="83272" x2="83172" y2="84309"/>
+                        <a14:foregroundMark x1="82214" y1="82616" x2="82557" y2="83222"/>
+                        <a14:foregroundMark x1="81818" y1="81915" x2="82104" y2="82421"/>
+                        <a14:foregroundMark x1="84333" y1="84043" x2="75242" y2="91223"/>
+                        <a14:foregroundMark x1="75242" y1="91223" x2="72340" y2="76596"/>
+                        <a14:foregroundMark x1="72340" y1="76596" x2="75435" y2="71277"/>
+                        <a14:foregroundMark x1="77950" y1="67021" x2="77950" y2="63830"/>
+                        <a14:foregroundMark x1="67961" y1="72238" x2="66151" y2="74468"/>
+                        <a14:foregroundMark x1="75435" y1="63032" x2="73386" y2="65556"/>
+                        <a14:foregroundMark x1="66151" y1="74468" x2="65764" y2="75798"/>
+                        <a14:foregroundMark x1="49903" y1="76064" x2="51257" y2="89894"/>
+                        <a14:foregroundMark x1="51257" y1="89894" x2="61509" y2="96543"/>
+                        <a14:foregroundMark x1="61509" y1="96543" x2="65957" y2="80585"/>
+                        <a14:foregroundMark x1="65957" y1="80585" x2="65377" y2="77394"/>
+                        <a14:foregroundMark x1="52829" y1="7088" x2="52998" y2="7181"/>
+                        <a14:backgroundMark x1="69052" y1="71543" x2="71373" y2="68883"/>
+                        <a14:backgroundMark x1="71373" y1="68883" x2="72921" y2="67021"/>
+                        <a14:backgroundMark x1="69826" y1="70479" x2="69052" y2="71277"/>
+                        <a14:backgroundMark x1="69052" y1="71277" x2="68665" y2="72606"/>
+                        <a14:backgroundMark x1="83946" y1="78989" x2="85493" y2="77128"/>
+                        <a14:backgroundMark x1="83559" y1="78723" x2="84913" y2="78191"/>
+                        <a14:backgroundMark x1="83172" y1="79521" x2="83172" y2="79521"/>
+                        <a14:backgroundMark x1="83559" y1="79255" x2="83559" y2="79255"/>
+                        <a14:backgroundMark x1="50870" y1="4787" x2="53385" y2="5053"/>
+                        <a14:backgroundMark x1="53385" y1="5053" x2="53772" y2="5053"/>
+                      </a14:backgroundRemoval>
+                    </a14:imgEffect>
+                  </a14:imgLayer>
+                </a14:imgProps>
+              </a:ext>
+              <a:ext uri="{28A0092B-C50C-407E-A947-70E740481C1C}">
+                <a14:useLocalDpi xmlns:a14="http://schemas.microsoft.com/office/drawing/2010/main" val="0"/>
+              </a:ext>
+            </a:extLst>
+          </a:blip>
+          <a:stretch>
+            <a:fillRect/>
+          </a:stretch>
+        </p:blipFill>
+        <p:spPr>
+          <a:xfrm flipH="1">
+            <a:off x="7526256" y="3086564"/>
+            <a:ext cx="941698" cy="684871"/>
+          </a:xfrm>
+          <a:prstGeom prst="rect">
+            <a:avLst/>
+          </a:prstGeom>
+        </p:spPr>
+      </p:pic>
     </p:spTree>
     <p:extLst>
       <p:ext uri="{BB962C8B-B14F-4D97-AF65-F5344CB8AC3E}">
@@ -7163,6 +8018,18 @@
   <p:clrMapOvr>
     <a:masterClrMapping/>
   </p:clrMapOvr>
+  <mc:AlternateContent xmlns:mc="http://schemas.openxmlformats.org/markup-compatibility/2006">
+    <mc:Choice xmlns:p14="http://schemas.microsoft.com/office/powerpoint/2010/main" Requires="p14">
+      <p:transition spd="slow" p14:dur="1500">
+        <p:split orient="vert"/>
+      </p:transition>
+    </mc:Choice>
+    <mc:Fallback>
+      <p:transition spd="slow">
+        <p:split orient="vert"/>
+      </p:transition>
+    </mc:Fallback>
+  </mc:AlternateContent>
 </p:sld>
 </file>
 

--- a/pitch.pptx
+++ b/pitch.pptx
@@ -5,15 +5,18 @@
     <p:sldMasterId id="2147483660" r:id="rId1"/>
   </p:sldMasterIdLst>
   <p:notesMasterIdLst>
-    <p:notesMasterId r:id="rId8"/>
+    <p:notesMasterId r:id="rId11"/>
   </p:notesMasterIdLst>
   <p:sldIdLst>
     <p:sldId id="256" r:id="rId2"/>
     <p:sldId id="264" r:id="rId3"/>
-    <p:sldId id="265" r:id="rId4"/>
-    <p:sldId id="259" r:id="rId5"/>
-    <p:sldId id="263" r:id="rId6"/>
-    <p:sldId id="266" r:id="rId7"/>
+    <p:sldId id="267" r:id="rId4"/>
+    <p:sldId id="265" r:id="rId5"/>
+    <p:sldId id="259" r:id="rId6"/>
+    <p:sldId id="269" r:id="rId7"/>
+    <p:sldId id="263" r:id="rId8"/>
+    <p:sldId id="268" r:id="rId9"/>
+    <p:sldId id="266" r:id="rId10"/>
   </p:sldIdLst>
   <p:sldSz cx="12192000" cy="6858000"/>
   <p:notesSz cx="6858000" cy="9144000"/>
@@ -909,7 +912,7 @@
           <a:p>
             <a:fld id="{51332DEE-88BD-4AB3-9189-9926C6A8F862}" type="slidenum">
               <a:rPr lang="en-US" smtClean="0"/>
-              <a:t>3</a:t>
+              <a:t>4</a:t>
             </a:fld>
             <a:endParaRPr lang="en-US"/>
           </a:p>
@@ -1065,7 +1068,7 @@
           <a:p>
             <a:fld id="{51332DEE-88BD-4AB3-9189-9926C6A8F862}" type="slidenum">
               <a:rPr lang="en-US" smtClean="0"/>
-              <a:t>5</a:t>
+              <a:t>7</a:t>
             </a:fld>
             <a:endParaRPr lang="en-US"/>
           </a:p>
@@ -6749,7 +6752,7 @@
           <a:p>
             <a:r>
               <a:rPr lang="en-US" dirty="0"/>
-              <a:t>Animal protection and reservation</a:t>
+              <a:t>Animal – a sustainable eco system</a:t>
             </a:r>
           </a:p>
           <a:p>
@@ -6890,13 +6893,13 @@
   <p:clrMapOvr>
     <a:masterClrMapping/>
   </p:clrMapOvr>
-  <mc:AlternateContent xmlns:mc="http://schemas.openxmlformats.org/markup-compatibility/2006">
-    <mc:Choice xmlns:p159="http://schemas.microsoft.com/office/powerpoint/2015/09/main" Requires="p159">
+  <mc:AlternateContent xmlns:mc="http://schemas.openxmlformats.org/markup-compatibility/2006" xmlns:p159="http://schemas.microsoft.com/office/powerpoint/2015/09/main">
+    <mc:Choice Requires="p159">
       <p:transition xmlns:p14="http://schemas.microsoft.com/office/powerpoint/2010/main" spd="slow" p14:dur="2000">
         <p159:morph option="byObject"/>
       </p:transition>
     </mc:Choice>
-    <mc:Fallback>
+    <mc:Fallback xmlns="">
       <p:transition spd="slow">
         <p:fade/>
       </p:transition>
@@ -6906,6 +6909,152 @@
 </file>
 
 <file path=ppt/slides/slide3.xml><?xml version="1.0" encoding="utf-8"?>
+<p:sld xmlns:a="http://schemas.openxmlformats.org/drawingml/2006/main" xmlns:r="http://schemas.openxmlformats.org/officeDocument/2006/relationships" xmlns:p="http://schemas.openxmlformats.org/presentationml/2006/main">
+  <p:cSld>
+    <p:spTree>
+      <p:nvGrpSpPr>
+        <p:cNvPr id="1" name=""/>
+        <p:cNvGrpSpPr/>
+        <p:nvPr/>
+      </p:nvGrpSpPr>
+      <p:grpSpPr>
+        <a:xfrm>
+          <a:off x="0" y="0"/>
+          <a:ext cx="0" cy="0"/>
+          <a:chOff x="0" y="0"/>
+          <a:chExt cx="0" cy="0"/>
+        </a:xfrm>
+      </p:grpSpPr>
+      <p:sp>
+        <p:nvSpPr>
+          <p:cNvPr id="2" name="Title 1">
+            <a:extLst>
+              <a:ext uri="{FF2B5EF4-FFF2-40B4-BE49-F238E27FC236}">
+                <a16:creationId xmlns:a16="http://schemas.microsoft.com/office/drawing/2014/main" id="{A86502BB-AECC-4064-79CB-1BB54A244A30}"/>
+              </a:ext>
+            </a:extLst>
+          </p:cNvPr>
+          <p:cNvSpPr>
+            <a:spLocks noGrp="1"/>
+          </p:cNvSpPr>
+          <p:nvPr>
+            <p:ph type="title"/>
+          </p:nvPr>
+        </p:nvSpPr>
+        <p:spPr/>
+        <p:txBody>
+          <a:bodyPr/>
+          <a:lstStyle/>
+          <a:p>
+            <a:r>
+              <a:rPr lang="sv-SE" dirty="0" err="1"/>
+              <a:t>Dataset</a:t>
+            </a:r>
+            <a:r>
+              <a:rPr lang="sv-SE" dirty="0"/>
+              <a:t> &amp; </a:t>
+            </a:r>
+            <a:r>
+              <a:rPr lang="sv-SE" dirty="0" err="1"/>
+              <a:t>tracking</a:t>
+            </a:r>
+            <a:r>
+              <a:rPr lang="sv-SE" dirty="0"/>
+              <a:t> demo</a:t>
+            </a:r>
+            <a:endParaRPr lang="en-US" dirty="0"/>
+          </a:p>
+        </p:txBody>
+      </p:sp>
+      <p:sp>
+        <p:nvSpPr>
+          <p:cNvPr id="3" name="Content Placeholder 2">
+            <a:extLst>
+              <a:ext uri="{FF2B5EF4-FFF2-40B4-BE49-F238E27FC236}">
+                <a16:creationId xmlns:a16="http://schemas.microsoft.com/office/drawing/2014/main" id="{B11B8397-44D9-8126-EB81-F25D333914FB}"/>
+              </a:ext>
+            </a:extLst>
+          </p:cNvPr>
+          <p:cNvSpPr>
+            <a:spLocks noGrp="1"/>
+          </p:cNvSpPr>
+          <p:nvPr>
+            <p:ph idx="1"/>
+          </p:nvPr>
+        </p:nvSpPr>
+        <p:spPr/>
+        <p:txBody>
+          <a:bodyPr/>
+          <a:lstStyle/>
+          <a:p>
+            <a:r>
+              <a:rPr lang="sv-SE" dirty="0"/>
+              <a:t>Bakgrund om </a:t>
+            </a:r>
+            <a:r>
+              <a:rPr lang="sv-SE" dirty="0" err="1"/>
+              <a:t>dataset</a:t>
+            </a:r>
+            <a:endParaRPr lang="sv-SE" dirty="0"/>
+          </a:p>
+          <a:p>
+            <a:r>
+              <a:rPr lang="sv-SE" dirty="0" err="1"/>
+              <a:t>Visualizing</a:t>
+            </a:r>
+            <a:r>
+              <a:rPr lang="sv-SE" dirty="0"/>
+              <a:t> </a:t>
+            </a:r>
+            <a:r>
+              <a:rPr lang="sv-SE" dirty="0" err="1"/>
+              <a:t>with</a:t>
+            </a:r>
+            <a:r>
+              <a:rPr lang="sv-SE" dirty="0"/>
+              <a:t> </a:t>
+            </a:r>
+            <a:r>
+              <a:rPr lang="sv-SE" dirty="0" err="1"/>
+              <a:t>current</a:t>
+            </a:r>
+            <a:r>
+              <a:rPr lang="sv-SE" dirty="0"/>
+              <a:t> </a:t>
+            </a:r>
+            <a:r>
+              <a:rPr lang="sv-SE" dirty="0" err="1"/>
+              <a:t>tracking</a:t>
+            </a:r>
+            <a:r>
+              <a:rPr lang="sv-SE" dirty="0"/>
+              <a:t> </a:t>
+            </a:r>
+            <a:r>
+              <a:rPr lang="sv-SE" dirty="0" err="1"/>
+              <a:t>technology</a:t>
+            </a:r>
+            <a:endParaRPr lang="sv-SE" dirty="0"/>
+          </a:p>
+          <a:p>
+            <a:endParaRPr lang="en-US" dirty="0"/>
+          </a:p>
+        </p:txBody>
+      </p:sp>
+    </p:spTree>
+    <p:extLst>
+      <p:ext uri="{BB962C8B-B14F-4D97-AF65-F5344CB8AC3E}">
+        <p14:creationId xmlns:p14="http://schemas.microsoft.com/office/powerpoint/2010/main" val="926841943"/>
+      </p:ext>
+    </p:extLst>
+  </p:cSld>
+  <p:clrMapOvr>
+    <a:masterClrMapping/>
+  </p:clrMapOvr>
+</p:sld>
+</file>
+
+<file path=ppt/slides/slide4.xml><?xml version="1.0" encoding="utf-8"?>
 <p:sld xmlns:a="http://schemas.openxmlformats.org/drawingml/2006/main" xmlns:r="http://schemas.openxmlformats.org/officeDocument/2006/relationships" xmlns:p="http://schemas.openxmlformats.org/presentationml/2006/main">
   <p:cSld>
     <p:spTree>
@@ -7217,13 +7366,13 @@
   <p:clrMapOvr>
     <a:masterClrMapping/>
   </p:clrMapOvr>
-  <mc:AlternateContent xmlns:mc="http://schemas.openxmlformats.org/markup-compatibility/2006">
-    <mc:Choice xmlns:p159="http://schemas.microsoft.com/office/powerpoint/2015/09/main" Requires="p159">
+  <mc:AlternateContent xmlns:mc="http://schemas.openxmlformats.org/markup-compatibility/2006" xmlns:p159="http://schemas.microsoft.com/office/powerpoint/2015/09/main">
+    <mc:Choice Requires="p159">
       <p:transition xmlns:p14="http://schemas.microsoft.com/office/powerpoint/2010/main" spd="slow" p14:dur="2000">
         <p159:morph option="byObject"/>
       </p:transition>
     </mc:Choice>
-    <mc:Fallback>
+    <mc:Fallback xmlns="">
       <p:transition spd="slow">
         <p:fade/>
       </p:transition>
@@ -7232,7 +7381,7 @@
 </p:sld>
 </file>
 
-<file path=ppt/slides/slide4.xml><?xml version="1.0" encoding="utf-8"?>
+<file path=ppt/slides/slide5.xml><?xml version="1.0" encoding="utf-8"?>
 <p:sld xmlns:a="http://schemas.openxmlformats.org/drawingml/2006/main" xmlns:r="http://schemas.openxmlformats.org/officeDocument/2006/relationships" xmlns:p="http://schemas.openxmlformats.org/presentationml/2006/main">
   <p:cSld>
     <p:spTree>
@@ -7300,14 +7449,56 @@
           <a:lstStyle/>
           <a:p>
             <a:r>
+              <a:rPr lang="sv-SE" dirty="0" err="1"/>
+              <a:t>Groundbreaking</a:t>
+            </a:r>
+            <a:r>
               <a:rPr lang="sv-SE" dirty="0"/>
-              <a:t>Current tracking technology</a:t>
-            </a:r>
-          </a:p>
-          <a:p>
+              <a:t> AI/ML-</a:t>
+            </a:r>
+            <a:r>
+              <a:rPr lang="sv-SE" dirty="0" err="1"/>
+              <a:t>models</a:t>
+            </a:r>
+            <a:endParaRPr lang="sv-SE" dirty="0"/>
+          </a:p>
+          <a:p>
+            <a:pPr lvl="1"/>
             <a:r>
               <a:rPr lang="sv-SE" dirty="0"/>
-              <a:t>Groundbreaking AI/ML-models</a:t>
+              <a:t>DBSCAN </a:t>
+            </a:r>
+            <a:r>
+              <a:rPr lang="sv-SE" dirty="0" err="1"/>
+              <a:t>clustering</a:t>
+            </a:r>
+            <a:r>
+              <a:rPr lang="sv-SE" dirty="0"/>
+              <a:t> </a:t>
+            </a:r>
+            <a:r>
+              <a:rPr lang="sv-SE" dirty="0" err="1"/>
+              <a:t>model</a:t>
+            </a:r>
+            <a:endParaRPr lang="sv-SE" dirty="0"/>
+          </a:p>
+          <a:p>
+            <a:pPr lvl="1"/>
+            <a:r>
+              <a:rPr lang="sv-SE" dirty="0"/>
+              <a:t>VARMA </a:t>
+            </a:r>
+            <a:r>
+              <a:rPr lang="sv-SE" dirty="0" err="1"/>
+              <a:t>forecasting</a:t>
+            </a:r>
+            <a:r>
+              <a:rPr lang="sv-SE" dirty="0"/>
+              <a:t> </a:t>
+            </a:r>
+            <a:r>
+              <a:rPr lang="sv-SE" dirty="0" err="1"/>
+              <a:t>model</a:t>
             </a:r>
             <a:endParaRPr lang="en-SE" dirty="0"/>
           </a:p>
@@ -7425,13 +7616,13 @@
   <p:clrMapOvr>
     <a:masterClrMapping/>
   </p:clrMapOvr>
-  <mc:AlternateContent xmlns:mc="http://schemas.openxmlformats.org/markup-compatibility/2006">
-    <mc:Choice xmlns:p159="http://schemas.microsoft.com/office/powerpoint/2015/09/main" Requires="p159">
+  <mc:AlternateContent xmlns:mc="http://schemas.openxmlformats.org/markup-compatibility/2006" xmlns:p159="http://schemas.microsoft.com/office/powerpoint/2015/09/main">
+    <mc:Choice Requires="p159">
       <p:transition xmlns:p14="http://schemas.microsoft.com/office/powerpoint/2010/main" spd="slow" p14:dur="2000">
         <p159:morph option="byObject"/>
       </p:transition>
     </mc:Choice>
-    <mc:Fallback>
+    <mc:Fallback xmlns="">
       <p:transition spd="slow">
         <p:fade/>
       </p:transition>
@@ -7440,7 +7631,7 @@
 </p:sld>
 </file>
 
-<file path=ppt/slides/slide5.xml><?xml version="1.0" encoding="utf-8"?>
+<file path=ppt/slides/slide6.xml><?xml version="1.0" encoding="utf-8"?>
 <p:sld xmlns:a="http://schemas.openxmlformats.org/drawingml/2006/main" xmlns:r="http://schemas.openxmlformats.org/officeDocument/2006/relationships" xmlns:p="http://schemas.openxmlformats.org/presentationml/2006/main">
   <p:cSld>
     <p:spTree>
@@ -7462,6 +7653,98 @@
           <p:cNvPr id="2" name="Title 1">
             <a:extLst>
               <a:ext uri="{FF2B5EF4-FFF2-40B4-BE49-F238E27FC236}">
+                <a16:creationId xmlns:a16="http://schemas.microsoft.com/office/drawing/2014/main" id="{8AEED230-BF00-E150-C13A-4A2CE14ED187}"/>
+              </a:ext>
+            </a:extLst>
+          </p:cNvPr>
+          <p:cNvSpPr>
+            <a:spLocks noGrp="1"/>
+          </p:cNvSpPr>
+          <p:nvPr>
+            <p:ph type="title"/>
+          </p:nvPr>
+        </p:nvSpPr>
+        <p:spPr/>
+        <p:txBody>
+          <a:bodyPr/>
+          <a:lstStyle/>
+          <a:p>
+            <a:r>
+              <a:rPr lang="sv-SE" dirty="0"/>
+              <a:t>VARMA </a:t>
+            </a:r>
+            <a:r>
+              <a:rPr lang="sv-SE" dirty="0" err="1"/>
+              <a:t>Forecasting</a:t>
+            </a:r>
+            <a:r>
+              <a:rPr lang="sv-SE" dirty="0"/>
+              <a:t> 101</a:t>
+            </a:r>
+            <a:endParaRPr lang="en-US" dirty="0"/>
+          </a:p>
+        </p:txBody>
+      </p:sp>
+      <p:sp>
+        <p:nvSpPr>
+          <p:cNvPr id="3" name="Content Placeholder 2">
+            <a:extLst>
+              <a:ext uri="{FF2B5EF4-FFF2-40B4-BE49-F238E27FC236}">
+                <a16:creationId xmlns:a16="http://schemas.microsoft.com/office/drawing/2014/main" id="{1AD3CB40-A244-10D7-1F98-CEA8EF0C8729}"/>
+              </a:ext>
+            </a:extLst>
+          </p:cNvPr>
+          <p:cNvSpPr>
+            <a:spLocks noGrp="1"/>
+          </p:cNvSpPr>
+          <p:nvPr>
+            <p:ph idx="1"/>
+          </p:nvPr>
+        </p:nvSpPr>
+        <p:spPr/>
+        <p:txBody>
+          <a:bodyPr/>
+          <a:lstStyle/>
+          <a:p>
+            <a:endParaRPr lang="en-US" dirty="0"/>
+          </a:p>
+        </p:txBody>
+      </p:sp>
+    </p:spTree>
+    <p:extLst>
+      <p:ext uri="{BB962C8B-B14F-4D97-AF65-F5344CB8AC3E}">
+        <p14:creationId xmlns:p14="http://schemas.microsoft.com/office/powerpoint/2010/main" val="3795522085"/>
+      </p:ext>
+    </p:extLst>
+  </p:cSld>
+  <p:clrMapOvr>
+    <a:masterClrMapping/>
+  </p:clrMapOvr>
+</p:sld>
+</file>
+
+<file path=ppt/slides/slide7.xml><?xml version="1.0" encoding="utf-8"?>
+<p:sld xmlns:a="http://schemas.openxmlformats.org/drawingml/2006/main" xmlns:r="http://schemas.openxmlformats.org/officeDocument/2006/relationships" xmlns:p="http://schemas.openxmlformats.org/presentationml/2006/main">
+  <p:cSld>
+    <p:spTree>
+      <p:nvGrpSpPr>
+        <p:cNvPr id="1" name=""/>
+        <p:cNvGrpSpPr/>
+        <p:nvPr/>
+      </p:nvGrpSpPr>
+      <p:grpSpPr>
+        <a:xfrm>
+          <a:off x="0" y="0"/>
+          <a:ext cx="0" cy="0"/>
+          <a:chOff x="0" y="0"/>
+          <a:chExt cx="0" cy="0"/>
+        </a:xfrm>
+      </p:grpSpPr>
+      <p:sp>
+        <p:nvSpPr>
+          <p:cNvPr id="2" name="Title 1">
+            <a:extLst>
+              <a:ext uri="{FF2B5EF4-FFF2-40B4-BE49-F238E27FC236}">
                 <a16:creationId xmlns:a16="http://schemas.microsoft.com/office/drawing/2014/main" id="{ECE0B106-7389-1A90-1503-24214D1A43E5}"/>
               </a:ext>
             </a:extLst>
@@ -7506,7 +7789,12 @@
             <p:ph idx="1"/>
           </p:nvPr>
         </p:nvSpPr>
-        <p:spPr/>
+        <p:spPr>
+          <a:xfrm>
+            <a:off x="1587710" y="2160016"/>
+            <a:ext cx="9486690" cy="2336570"/>
+          </a:xfrm>
+        </p:spPr>
         <p:txBody>
           <a:bodyPr/>
           <a:lstStyle/>
@@ -7539,51 +7827,6 @@
               <a:t>goals</a:t>
             </a:r>
             <a:endParaRPr lang="sv-SE" dirty="0"/>
-          </a:p>
-          <a:p>
-            <a:r>
-              <a:rPr lang="sv-SE" dirty="0"/>
-              <a:t>Challenges</a:t>
-            </a:r>
-          </a:p>
-          <a:p>
-            <a:pPr lvl="1"/>
-            <a:r>
-              <a:rPr lang="sv-SE" dirty="0" err="1"/>
-              <a:t>Geographic</a:t>
-            </a:r>
-            <a:r>
-              <a:rPr lang="sv-SE" dirty="0"/>
-              <a:t> </a:t>
-            </a:r>
-            <a:r>
-              <a:rPr lang="sv-SE" dirty="0" err="1"/>
-              <a:t>plots</a:t>
-            </a:r>
-            <a:endParaRPr lang="sv-SE" dirty="0"/>
-          </a:p>
-          <a:p>
-            <a:pPr lvl="1"/>
-            <a:r>
-              <a:rPr lang="sv-SE" dirty="0" err="1"/>
-              <a:t>Time</a:t>
-            </a:r>
-            <a:r>
-              <a:rPr lang="sv-SE" dirty="0"/>
-              <a:t> and date in </a:t>
-            </a:r>
-            <a:r>
-              <a:rPr lang="sv-SE" dirty="0" err="1"/>
-              <a:t>dataset</a:t>
-            </a:r>
-            <a:r>
-              <a:rPr lang="sv-SE" dirty="0"/>
-              <a:t> </a:t>
-            </a:r>
-          </a:p>
-          <a:p>
-            <a:pPr lvl="1"/>
-            <a:endParaRPr lang="en-SE" dirty="0"/>
           </a:p>
         </p:txBody>
       </p:sp>
@@ -7689,6 +7932,259 @@
           </a:prstGeom>
         </p:spPr>
       </p:pic>
+      <p:sp>
+        <p:nvSpPr>
+          <p:cNvPr id="5" name="Content Placeholder 2">
+            <a:extLst>
+              <a:ext uri="{FF2B5EF4-FFF2-40B4-BE49-F238E27FC236}">
+                <a16:creationId xmlns:a16="http://schemas.microsoft.com/office/drawing/2014/main" id="{2D6360FD-7177-78A4-8070-5EE7166BF1EF}"/>
+              </a:ext>
+            </a:extLst>
+          </p:cNvPr>
+          <p:cNvSpPr txBox="1">
+            <a:spLocks/>
+          </p:cNvSpPr>
+          <p:nvPr/>
+        </p:nvSpPr>
+        <p:spPr>
+          <a:xfrm>
+            <a:off x="1587710" y="3926443"/>
+            <a:ext cx="9486690" cy="2336570"/>
+          </a:xfrm>
+          <a:prstGeom prst="rect">
+            <a:avLst/>
+          </a:prstGeom>
+        </p:spPr>
+        <p:txBody>
+          <a:bodyPr vert="horz" lIns="91440" tIns="45720" rIns="91440" bIns="45720" rtlCol="0">
+            <a:normAutofit/>
+          </a:bodyPr>
+          <a:lstStyle>
+            <a:lvl1pPr marL="228600" indent="-228600" algn="l" defTabSz="914400" rtl="0" eaLnBrk="1" latinLnBrk="0" hangingPunct="1">
+              <a:lnSpc>
+                <a:spcPct val="110000"/>
+              </a:lnSpc>
+              <a:spcBef>
+                <a:spcPts val="1200"/>
+              </a:spcBef>
+              <a:buClr>
+                <a:schemeClr val="accent1"/>
+              </a:buClr>
+              <a:buFont typeface="Arial" panose="020B0604020202020204" pitchFamily="34" charset="0"/>
+              <a:buChar char="•"/>
+              <a:defRPr sz="2200" kern="1200">
+                <a:solidFill>
+                  <a:schemeClr val="tx1"/>
+                </a:solidFill>
+                <a:latin typeface="+mn-lt"/>
+                <a:ea typeface="+mn-ea"/>
+                <a:cs typeface="+mn-cs"/>
+              </a:defRPr>
+            </a:lvl1pPr>
+            <a:lvl2pPr marL="457200" indent="-228600" algn="l" defTabSz="914400" rtl="0" eaLnBrk="1" latinLnBrk="0" hangingPunct="1">
+              <a:lnSpc>
+                <a:spcPct val="110000"/>
+              </a:lnSpc>
+              <a:spcBef>
+                <a:spcPts val="600"/>
+              </a:spcBef>
+              <a:buClr>
+                <a:schemeClr val="accent1"/>
+              </a:buClr>
+              <a:buFont typeface="Arial" panose="020B0604020202020204" pitchFamily="34" charset="0"/>
+              <a:buChar char="•"/>
+              <a:defRPr sz="1900" kern="1200">
+                <a:solidFill>
+                  <a:schemeClr val="tx1"/>
+                </a:solidFill>
+                <a:latin typeface="+mn-lt"/>
+                <a:ea typeface="+mn-ea"/>
+                <a:cs typeface="+mn-cs"/>
+              </a:defRPr>
+            </a:lvl2pPr>
+            <a:lvl3pPr marL="685800" indent="-228600" algn="l" defTabSz="914400" rtl="0" eaLnBrk="1" latinLnBrk="0" hangingPunct="1">
+              <a:lnSpc>
+                <a:spcPct val="110000"/>
+              </a:lnSpc>
+              <a:spcBef>
+                <a:spcPts val="600"/>
+              </a:spcBef>
+              <a:buClr>
+                <a:schemeClr val="accent1"/>
+              </a:buClr>
+              <a:buFont typeface="Arial" panose="020B0604020202020204" pitchFamily="34" charset="0"/>
+              <a:buChar char="•"/>
+              <a:defRPr sz="1700" kern="1200">
+                <a:solidFill>
+                  <a:schemeClr val="tx1"/>
+                </a:solidFill>
+                <a:latin typeface="+mn-lt"/>
+                <a:ea typeface="+mn-ea"/>
+                <a:cs typeface="+mn-cs"/>
+              </a:defRPr>
+            </a:lvl3pPr>
+            <a:lvl4pPr marL="914400" indent="-228600" algn="l" defTabSz="914400" rtl="0" eaLnBrk="1" latinLnBrk="0" hangingPunct="1">
+              <a:lnSpc>
+                <a:spcPct val="110000"/>
+              </a:lnSpc>
+              <a:spcBef>
+                <a:spcPts val="600"/>
+              </a:spcBef>
+              <a:buClr>
+                <a:schemeClr val="accent1"/>
+              </a:buClr>
+              <a:buFont typeface="Arial" panose="020B0604020202020204" pitchFamily="34" charset="0"/>
+              <a:buChar char="•"/>
+              <a:defRPr sz="1500" kern="1200">
+                <a:solidFill>
+                  <a:schemeClr val="tx1"/>
+                </a:solidFill>
+                <a:latin typeface="+mn-lt"/>
+                <a:ea typeface="+mn-ea"/>
+                <a:cs typeface="+mn-cs"/>
+              </a:defRPr>
+            </a:lvl4pPr>
+            <a:lvl5pPr marL="1143000" indent="-228600" algn="l" defTabSz="914400" rtl="0" eaLnBrk="1" latinLnBrk="0" hangingPunct="1">
+              <a:lnSpc>
+                <a:spcPct val="110000"/>
+              </a:lnSpc>
+              <a:spcBef>
+                <a:spcPts val="600"/>
+              </a:spcBef>
+              <a:buClr>
+                <a:schemeClr val="accent1"/>
+              </a:buClr>
+              <a:buFont typeface="Arial" panose="020B0604020202020204" pitchFamily="34" charset="0"/>
+              <a:buChar char="•"/>
+              <a:defRPr sz="1500" kern="1200">
+                <a:solidFill>
+                  <a:schemeClr val="tx1"/>
+                </a:solidFill>
+                <a:latin typeface="+mn-lt"/>
+                <a:ea typeface="+mn-ea"/>
+                <a:cs typeface="+mn-cs"/>
+              </a:defRPr>
+            </a:lvl5pPr>
+            <a:lvl6pPr marL="2514600" indent="-228600" algn="l" defTabSz="914400" rtl="0" eaLnBrk="1" latinLnBrk="0" hangingPunct="1">
+              <a:lnSpc>
+                <a:spcPct val="90000"/>
+              </a:lnSpc>
+              <a:spcBef>
+                <a:spcPts val="500"/>
+              </a:spcBef>
+              <a:buFont typeface="Arial" panose="020B0604020202020204" pitchFamily="34" charset="0"/>
+              <a:buChar char="•"/>
+              <a:defRPr sz="1800" kern="1200">
+                <a:solidFill>
+                  <a:schemeClr val="tx1"/>
+                </a:solidFill>
+                <a:latin typeface="+mn-lt"/>
+                <a:ea typeface="+mn-ea"/>
+                <a:cs typeface="+mn-cs"/>
+              </a:defRPr>
+            </a:lvl6pPr>
+            <a:lvl7pPr marL="2971800" indent="-228600" algn="l" defTabSz="914400" rtl="0" eaLnBrk="1" latinLnBrk="0" hangingPunct="1">
+              <a:lnSpc>
+                <a:spcPct val="90000"/>
+              </a:lnSpc>
+              <a:spcBef>
+                <a:spcPts val="500"/>
+              </a:spcBef>
+              <a:buFont typeface="Arial" panose="020B0604020202020204" pitchFamily="34" charset="0"/>
+              <a:buChar char="•"/>
+              <a:defRPr sz="1800" kern="1200">
+                <a:solidFill>
+                  <a:schemeClr val="tx1"/>
+                </a:solidFill>
+                <a:latin typeface="+mn-lt"/>
+                <a:ea typeface="+mn-ea"/>
+                <a:cs typeface="+mn-cs"/>
+              </a:defRPr>
+            </a:lvl7pPr>
+            <a:lvl8pPr marL="3429000" indent="-228600" algn="l" defTabSz="914400" rtl="0" eaLnBrk="1" latinLnBrk="0" hangingPunct="1">
+              <a:lnSpc>
+                <a:spcPct val="90000"/>
+              </a:lnSpc>
+              <a:spcBef>
+                <a:spcPts val="500"/>
+              </a:spcBef>
+              <a:buFont typeface="Arial" panose="020B0604020202020204" pitchFamily="34" charset="0"/>
+              <a:buChar char="•"/>
+              <a:defRPr sz="1800" kern="1200">
+                <a:solidFill>
+                  <a:schemeClr val="tx1"/>
+                </a:solidFill>
+                <a:latin typeface="+mn-lt"/>
+                <a:ea typeface="+mn-ea"/>
+                <a:cs typeface="+mn-cs"/>
+              </a:defRPr>
+            </a:lvl8pPr>
+            <a:lvl9pPr marL="3886200" indent="-228600" algn="l" defTabSz="914400" rtl="0" eaLnBrk="1" latinLnBrk="0" hangingPunct="1">
+              <a:lnSpc>
+                <a:spcPct val="90000"/>
+              </a:lnSpc>
+              <a:spcBef>
+                <a:spcPts val="500"/>
+              </a:spcBef>
+              <a:buFont typeface="Arial" panose="020B0604020202020204" pitchFamily="34" charset="0"/>
+              <a:buChar char="•"/>
+              <a:defRPr sz="1800" kern="1200">
+                <a:solidFill>
+                  <a:schemeClr val="tx1"/>
+                </a:solidFill>
+                <a:latin typeface="+mn-lt"/>
+                <a:ea typeface="+mn-ea"/>
+                <a:cs typeface="+mn-cs"/>
+              </a:defRPr>
+            </a:lvl9pPr>
+          </a:lstStyle>
+          <a:p>
+            <a:r>
+              <a:rPr lang="sv-SE" dirty="0"/>
+              <a:t>Challenges</a:t>
+            </a:r>
+          </a:p>
+          <a:p>
+            <a:pPr lvl="1"/>
+            <a:r>
+              <a:rPr lang="sv-SE" dirty="0" err="1"/>
+              <a:t>Geographic</a:t>
+            </a:r>
+            <a:r>
+              <a:rPr lang="sv-SE" dirty="0"/>
+              <a:t> </a:t>
+            </a:r>
+            <a:r>
+              <a:rPr lang="sv-SE" dirty="0" err="1"/>
+              <a:t>plots</a:t>
+            </a:r>
+            <a:endParaRPr lang="sv-SE" dirty="0"/>
+          </a:p>
+          <a:p>
+            <a:pPr lvl="1"/>
+            <a:r>
+              <a:rPr lang="sv-SE" dirty="0" err="1"/>
+              <a:t>Time</a:t>
+            </a:r>
+            <a:r>
+              <a:rPr lang="sv-SE" dirty="0"/>
+              <a:t> and date in </a:t>
+            </a:r>
+            <a:r>
+              <a:rPr lang="sv-SE" dirty="0" err="1"/>
+              <a:t>dataset</a:t>
+            </a:r>
+            <a:r>
+              <a:rPr lang="sv-SE" dirty="0"/>
+              <a:t> </a:t>
+            </a:r>
+          </a:p>
+          <a:p>
+            <a:pPr lvl="1"/>
+            <a:endParaRPr lang="en-SE" dirty="0"/>
+          </a:p>
+        </p:txBody>
+      </p:sp>
     </p:spTree>
     <p:extLst>
       <p:ext uri="{BB962C8B-B14F-4D97-AF65-F5344CB8AC3E}">
@@ -7699,22 +8195,196 @@
   <p:clrMapOvr>
     <a:masterClrMapping/>
   </p:clrMapOvr>
-  <mc:AlternateContent xmlns:mc="http://schemas.openxmlformats.org/markup-compatibility/2006">
-    <mc:Choice xmlns:p159="http://schemas.microsoft.com/office/powerpoint/2015/09/main" Requires="p159">
+  <mc:AlternateContent xmlns:mc="http://schemas.openxmlformats.org/markup-compatibility/2006" xmlns:p159="http://schemas.microsoft.com/office/powerpoint/2015/09/main">
+    <mc:Choice Requires="p159">
       <p:transition xmlns:p14="http://schemas.microsoft.com/office/powerpoint/2010/main" spd="slow" p14:dur="2000">
         <p159:morph option="byObject"/>
       </p:transition>
     </mc:Choice>
-    <mc:Fallback>
+    <mc:Fallback xmlns="">
       <p:transition spd="slow">
         <p:fade/>
       </p:transition>
     </mc:Fallback>
   </mc:AlternateContent>
+  <p:timing>
+    <p:tnLst>
+      <p:par>
+        <p:cTn id="1" dur="indefinite" restart="never" nodeType="tmRoot">
+          <p:childTnLst>
+            <p:seq concurrent="1" nextAc="seek">
+              <p:cTn id="2" dur="indefinite" nodeType="mainSeq">
+                <p:childTnLst>
+                  <p:par>
+                    <p:cTn id="3" fill="hold">
+                      <p:stCondLst>
+                        <p:cond delay="indefinite"/>
+                      </p:stCondLst>
+                      <p:childTnLst>
+                        <p:par>
+                          <p:cTn id="4" fill="hold">
+                            <p:stCondLst>
+                              <p:cond delay="0"/>
+                            </p:stCondLst>
+                            <p:childTnLst>
+                              <p:par>
+                                <p:cTn id="5" presetID="10" presetClass="entr" presetSubtype="0" fill="hold" grpId="0" nodeType="clickEffect">
+                                  <p:stCondLst>
+                                    <p:cond delay="0"/>
+                                  </p:stCondLst>
+                                  <p:childTnLst>
+                                    <p:set>
+                                      <p:cBhvr>
+                                        <p:cTn id="6" dur="1" fill="hold">
+                                          <p:stCondLst>
+                                            <p:cond delay="0"/>
+                                          </p:stCondLst>
+                                        </p:cTn>
+                                        <p:tgtEl>
+                                          <p:spTgt spid="5"/>
+                                        </p:tgtEl>
+                                        <p:attrNameLst>
+                                          <p:attrName>style.visibility</p:attrName>
+                                        </p:attrNameLst>
+                                      </p:cBhvr>
+                                      <p:to>
+                                        <p:strVal val="visible"/>
+                                      </p:to>
+                                    </p:set>
+                                    <p:animEffect transition="in" filter="fade">
+                                      <p:cBhvr>
+                                        <p:cTn id="7" dur="500"/>
+                                        <p:tgtEl>
+                                          <p:spTgt spid="5"/>
+                                        </p:tgtEl>
+                                      </p:cBhvr>
+                                    </p:animEffect>
+                                  </p:childTnLst>
+                                </p:cTn>
+                              </p:par>
+                            </p:childTnLst>
+                          </p:cTn>
+                        </p:par>
+                      </p:childTnLst>
+                    </p:cTn>
+                  </p:par>
+                </p:childTnLst>
+              </p:cTn>
+              <p:prevCondLst>
+                <p:cond evt="onPrev" delay="0">
+                  <p:tgtEl>
+                    <p:sldTgt/>
+                  </p:tgtEl>
+                </p:cond>
+              </p:prevCondLst>
+              <p:nextCondLst>
+                <p:cond evt="onNext" delay="0">
+                  <p:tgtEl>
+                    <p:sldTgt/>
+                  </p:tgtEl>
+                </p:cond>
+              </p:nextCondLst>
+            </p:seq>
+          </p:childTnLst>
+        </p:cTn>
+      </p:par>
+    </p:tnLst>
+    <p:bldLst>
+      <p:bldP spid="5" grpId="0"/>
+    </p:bldLst>
+  </p:timing>
 </p:sld>
 </file>
 
-<file path=ppt/slides/slide6.xml><?xml version="1.0" encoding="utf-8"?>
+<file path=ppt/slides/slide8.xml><?xml version="1.0" encoding="utf-8"?>
+<p:sld xmlns:a="http://schemas.openxmlformats.org/drawingml/2006/main" xmlns:r="http://schemas.openxmlformats.org/officeDocument/2006/relationships" xmlns:p="http://schemas.openxmlformats.org/presentationml/2006/main">
+  <p:cSld>
+    <p:spTree>
+      <p:nvGrpSpPr>
+        <p:cNvPr id="1" name=""/>
+        <p:cNvGrpSpPr/>
+        <p:nvPr/>
+      </p:nvGrpSpPr>
+      <p:grpSpPr>
+        <a:xfrm>
+          <a:off x="0" y="0"/>
+          <a:ext cx="0" cy="0"/>
+          <a:chOff x="0" y="0"/>
+          <a:chExt cx="0" cy="0"/>
+        </a:xfrm>
+      </p:grpSpPr>
+      <p:sp>
+        <p:nvSpPr>
+          <p:cNvPr id="2" name="Title 1">
+            <a:extLst>
+              <a:ext uri="{FF2B5EF4-FFF2-40B4-BE49-F238E27FC236}">
+                <a16:creationId xmlns:a16="http://schemas.microsoft.com/office/drawing/2014/main" id="{98035D16-3E40-4E04-5069-BE88E9E0558E}"/>
+              </a:ext>
+            </a:extLst>
+          </p:cNvPr>
+          <p:cNvSpPr>
+            <a:spLocks noGrp="1"/>
+          </p:cNvSpPr>
+          <p:nvPr>
+            <p:ph type="title"/>
+          </p:nvPr>
+        </p:nvSpPr>
+        <p:spPr/>
+        <p:txBody>
+          <a:bodyPr/>
+          <a:lstStyle/>
+          <a:p>
+            <a:r>
+              <a:rPr lang="sv-SE" dirty="0" err="1"/>
+              <a:t>Future</a:t>
+            </a:r>
+            <a:r>
+              <a:rPr lang="sv-SE" dirty="0"/>
+              <a:t> plans</a:t>
+            </a:r>
+            <a:endParaRPr lang="en-US" dirty="0"/>
+          </a:p>
+        </p:txBody>
+      </p:sp>
+      <p:sp>
+        <p:nvSpPr>
+          <p:cNvPr id="3" name="Content Placeholder 2">
+            <a:extLst>
+              <a:ext uri="{FF2B5EF4-FFF2-40B4-BE49-F238E27FC236}">
+                <a16:creationId xmlns:a16="http://schemas.microsoft.com/office/drawing/2014/main" id="{F2648FF4-0D04-2967-D901-74330642E176}"/>
+              </a:ext>
+            </a:extLst>
+          </p:cNvPr>
+          <p:cNvSpPr>
+            <a:spLocks noGrp="1"/>
+          </p:cNvSpPr>
+          <p:nvPr>
+            <p:ph idx="1"/>
+          </p:nvPr>
+        </p:nvSpPr>
+        <p:spPr/>
+        <p:txBody>
+          <a:bodyPr/>
+          <a:lstStyle/>
+          <a:p>
+            <a:endParaRPr lang="en-US"/>
+          </a:p>
+        </p:txBody>
+      </p:sp>
+    </p:spTree>
+    <p:extLst>
+      <p:ext uri="{BB962C8B-B14F-4D97-AF65-F5344CB8AC3E}">
+        <p14:creationId xmlns:p14="http://schemas.microsoft.com/office/powerpoint/2010/main" val="1929916053"/>
+      </p:ext>
+    </p:extLst>
+  </p:cSld>
+  <p:clrMapOvr>
+    <a:masterClrMapping/>
+  </p:clrMapOvr>
+</p:sld>
+</file>
+
+<file path=ppt/slides/slide9.xml><?xml version="1.0" encoding="utf-8"?>
 <p:sld xmlns:a="http://schemas.openxmlformats.org/drawingml/2006/main" xmlns:r="http://schemas.openxmlformats.org/officeDocument/2006/relationships" xmlns:p="http://schemas.openxmlformats.org/presentationml/2006/main">
   <p:cSld>
     <p:spTree>
@@ -8018,13 +8688,13 @@
   <p:clrMapOvr>
     <a:masterClrMapping/>
   </p:clrMapOvr>
-  <mc:AlternateContent xmlns:mc="http://schemas.openxmlformats.org/markup-compatibility/2006">
-    <mc:Choice xmlns:p14="http://schemas.microsoft.com/office/powerpoint/2010/main" Requires="p14">
+  <mc:AlternateContent xmlns:mc="http://schemas.openxmlformats.org/markup-compatibility/2006" xmlns:p14="http://schemas.microsoft.com/office/powerpoint/2010/main">
+    <mc:Choice Requires="p14">
       <p:transition spd="slow" p14:dur="1500">
         <p:split orient="vert"/>
       </p:transition>
     </mc:Choice>
-    <mc:Fallback>
+    <mc:Fallback xmlns="">
       <p:transition spd="slow">
         <p:split orient="vert"/>
       </p:transition>
